--- a/尊貴全能神(崇拜版).pptx
+++ b/尊貴全能神(崇拜版).pptx
@@ -11,7 +11,7 @@
     <p:sldId id="259" r:id="rId5"/>
     <p:sldId id="260" r:id="rId6"/>
   </p:sldIdLst>
-  <p:sldSz cx="9144000" cy="6858000" type="screen4x3"/>
+  <p:sldSz cx="9144000" cy="5143500" type="screen16x9"/>
   <p:notesSz cx="6858000" cy="9144000"/>
   <p:defaultTextStyle>
     <a:defPPr>
@@ -140,8 +140,8 @@
         </p:nvSpPr>
         <p:spPr>
           <a:xfrm>
-            <a:off x="685800" y="2130425"/>
-            <a:ext cx="7772400" cy="1470025"/>
+            <a:off x="685800" y="1597819"/>
+            <a:ext cx="7772400" cy="1102519"/>
           </a:xfrm>
         </p:spPr>
         <p:txBody>
@@ -168,8 +168,8 @@
         </p:nvSpPr>
         <p:spPr>
           <a:xfrm>
-            <a:off x="1371600" y="3886200"/>
-            <a:ext cx="6400800" cy="1752600"/>
+            <a:off x="1371600" y="2914650"/>
+            <a:ext cx="6400800" cy="1314450"/>
           </a:xfrm>
         </p:spPr>
         <p:txBody>
@@ -292,7 +292,7 @@
           <a:p>
             <a:fld id="{886D2C6C-F116-448E-A79A-9A454AEBD3FD}" type="datetimeFigureOut">
               <a:rPr lang="zh-TW" altLang="en-US" smtClean="0"/>
-              <a:t>2018/2/10</a:t>
+              <a:t>2019/10/12</a:t>
             </a:fld>
             <a:endParaRPr lang="zh-TW" altLang="en-US"/>
           </a:p>
@@ -457,7 +457,7 @@
           <a:p>
             <a:fld id="{886D2C6C-F116-448E-A79A-9A454AEBD3FD}" type="datetimeFigureOut">
               <a:rPr lang="zh-TW" altLang="en-US" smtClean="0"/>
-              <a:t>2018/2/10</a:t>
+              <a:t>2019/10/12</a:t>
             </a:fld>
             <a:endParaRPr lang="zh-TW" altLang="en-US"/>
           </a:p>
@@ -542,8 +542,8 @@
         </p:nvSpPr>
         <p:spPr>
           <a:xfrm>
-            <a:off x="6629400" y="274638"/>
-            <a:ext cx="2057400" cy="5851525"/>
+            <a:off x="6629400" y="205979"/>
+            <a:ext cx="2057400" cy="4388644"/>
           </a:xfrm>
         </p:spPr>
         <p:txBody>
@@ -570,8 +570,8 @@
         </p:nvSpPr>
         <p:spPr>
           <a:xfrm>
-            <a:off x="457200" y="274638"/>
-            <a:ext cx="6019800" cy="5851525"/>
+            <a:off x="457200" y="205979"/>
+            <a:ext cx="6019800" cy="4388644"/>
           </a:xfrm>
         </p:spPr>
         <p:txBody>
@@ -632,7 +632,7 @@
           <a:p>
             <a:fld id="{886D2C6C-F116-448E-A79A-9A454AEBD3FD}" type="datetimeFigureOut">
               <a:rPr lang="zh-TW" altLang="en-US" smtClean="0"/>
-              <a:t>2018/2/10</a:t>
+              <a:t>2019/10/12</a:t>
             </a:fld>
             <a:endParaRPr lang="zh-TW" altLang="en-US"/>
           </a:p>
@@ -797,7 +797,7 @@
           <a:p>
             <a:fld id="{886D2C6C-F116-448E-A79A-9A454AEBD3FD}" type="datetimeFigureOut">
               <a:rPr lang="zh-TW" altLang="en-US" smtClean="0"/>
-              <a:t>2018/2/10</a:t>
+              <a:t>2019/10/12</a:t>
             </a:fld>
             <a:endParaRPr lang="zh-TW" altLang="en-US"/>
           </a:p>
@@ -882,8 +882,8 @@
         </p:nvSpPr>
         <p:spPr>
           <a:xfrm>
-            <a:off x="722313" y="4406900"/>
-            <a:ext cx="7772400" cy="1362075"/>
+            <a:off x="722313" y="3305176"/>
+            <a:ext cx="7772400" cy="1021556"/>
           </a:xfrm>
         </p:spPr>
         <p:txBody>
@@ -914,8 +914,8 @@
         </p:nvSpPr>
         <p:spPr>
           <a:xfrm>
-            <a:off x="722313" y="2906713"/>
-            <a:ext cx="7772400" cy="1500187"/>
+            <a:off x="722313" y="2180035"/>
+            <a:ext cx="7772400" cy="1125140"/>
           </a:xfrm>
         </p:spPr>
         <p:txBody>
@@ -1038,7 +1038,7 @@
           <a:p>
             <a:fld id="{886D2C6C-F116-448E-A79A-9A454AEBD3FD}" type="datetimeFigureOut">
               <a:rPr lang="zh-TW" altLang="en-US" smtClean="0"/>
-              <a:t>2018/2/10</a:t>
+              <a:t>2019/10/12</a:t>
             </a:fld>
             <a:endParaRPr lang="zh-TW" altLang="en-US"/>
           </a:p>
@@ -1146,8 +1146,8 @@
         </p:nvSpPr>
         <p:spPr>
           <a:xfrm>
-            <a:off x="457200" y="1600200"/>
-            <a:ext cx="4038600" cy="4525963"/>
+            <a:off x="457200" y="1200151"/>
+            <a:ext cx="4038600" cy="3394472"/>
           </a:xfrm>
         </p:spPr>
         <p:txBody>
@@ -1231,8 +1231,8 @@
         </p:nvSpPr>
         <p:spPr>
           <a:xfrm>
-            <a:off x="4648200" y="1600200"/>
-            <a:ext cx="4038600" cy="4525963"/>
+            <a:off x="4648200" y="1200151"/>
+            <a:ext cx="4038600" cy="3394472"/>
           </a:xfrm>
         </p:spPr>
         <p:txBody>
@@ -1321,7 +1321,7 @@
           <a:p>
             <a:fld id="{886D2C6C-F116-448E-A79A-9A454AEBD3FD}" type="datetimeFigureOut">
               <a:rPr lang="zh-TW" altLang="en-US" smtClean="0"/>
-              <a:t>2018/2/10</a:t>
+              <a:t>2019/10/12</a:t>
             </a:fld>
             <a:endParaRPr lang="zh-TW" altLang="en-US"/>
           </a:p>
@@ -1433,8 +1433,8 @@
         </p:nvSpPr>
         <p:spPr>
           <a:xfrm>
-            <a:off x="457200" y="1535113"/>
-            <a:ext cx="4040188" cy="639762"/>
+            <a:off x="457200" y="1151335"/>
+            <a:ext cx="4040188" cy="479822"/>
           </a:xfrm>
         </p:spPr>
         <p:txBody>
@@ -1498,8 +1498,8 @@
         </p:nvSpPr>
         <p:spPr>
           <a:xfrm>
-            <a:off x="457200" y="2174875"/>
-            <a:ext cx="4040188" cy="3951288"/>
+            <a:off x="457200" y="1631156"/>
+            <a:ext cx="4040188" cy="2963466"/>
           </a:xfrm>
         </p:spPr>
         <p:txBody>
@@ -1583,8 +1583,8 @@
         </p:nvSpPr>
         <p:spPr>
           <a:xfrm>
-            <a:off x="4645025" y="1535113"/>
-            <a:ext cx="4041775" cy="639762"/>
+            <a:off x="4645026" y="1151335"/>
+            <a:ext cx="4041775" cy="479822"/>
           </a:xfrm>
         </p:spPr>
         <p:txBody>
@@ -1648,8 +1648,8 @@
         </p:nvSpPr>
         <p:spPr>
           <a:xfrm>
-            <a:off x="4645025" y="2174875"/>
-            <a:ext cx="4041775" cy="3951288"/>
+            <a:off x="4645026" y="1631156"/>
+            <a:ext cx="4041775" cy="2963466"/>
           </a:xfrm>
         </p:spPr>
         <p:txBody>
@@ -1738,7 +1738,7 @@
           <a:p>
             <a:fld id="{886D2C6C-F116-448E-A79A-9A454AEBD3FD}" type="datetimeFigureOut">
               <a:rPr lang="zh-TW" altLang="en-US" smtClean="0"/>
-              <a:t>2018/2/10</a:t>
+              <a:t>2019/10/12</a:t>
             </a:fld>
             <a:endParaRPr lang="zh-TW" altLang="en-US"/>
           </a:p>
@@ -1851,7 +1851,7 @@
           <a:p>
             <a:fld id="{886D2C6C-F116-448E-A79A-9A454AEBD3FD}" type="datetimeFigureOut">
               <a:rPr lang="zh-TW" altLang="en-US" smtClean="0"/>
-              <a:t>2018/2/10</a:t>
+              <a:t>2019/10/12</a:t>
             </a:fld>
             <a:endParaRPr lang="zh-TW" altLang="en-US"/>
           </a:p>
@@ -1941,7 +1941,7 @@
           <a:p>
             <a:fld id="{886D2C6C-F116-448E-A79A-9A454AEBD3FD}" type="datetimeFigureOut">
               <a:rPr lang="zh-TW" altLang="en-US" smtClean="0"/>
-              <a:t>2018/2/10</a:t>
+              <a:t>2019/10/12</a:t>
             </a:fld>
             <a:endParaRPr lang="zh-TW" altLang="en-US"/>
           </a:p>
@@ -2026,8 +2026,8 @@
         </p:nvSpPr>
         <p:spPr>
           <a:xfrm>
-            <a:off x="457200" y="273050"/>
-            <a:ext cx="3008313" cy="1162050"/>
+            <a:off x="457201" y="204787"/>
+            <a:ext cx="3008313" cy="871538"/>
           </a:xfrm>
         </p:spPr>
         <p:txBody>
@@ -2058,8 +2058,8 @@
         </p:nvSpPr>
         <p:spPr>
           <a:xfrm>
-            <a:off x="3575050" y="273050"/>
-            <a:ext cx="5111750" cy="5853113"/>
+            <a:off x="3575050" y="204788"/>
+            <a:ext cx="5111750" cy="4389835"/>
           </a:xfrm>
         </p:spPr>
         <p:txBody>
@@ -2143,8 +2143,8 @@
         </p:nvSpPr>
         <p:spPr>
           <a:xfrm>
-            <a:off x="457200" y="1435100"/>
-            <a:ext cx="3008313" cy="4691063"/>
+            <a:off x="457201" y="1076326"/>
+            <a:ext cx="3008313" cy="3518297"/>
           </a:xfrm>
         </p:spPr>
         <p:txBody>
@@ -2213,7 +2213,7 @@
           <a:p>
             <a:fld id="{886D2C6C-F116-448E-A79A-9A454AEBD3FD}" type="datetimeFigureOut">
               <a:rPr lang="zh-TW" altLang="en-US" smtClean="0"/>
-              <a:t>2018/2/10</a:t>
+              <a:t>2019/10/12</a:t>
             </a:fld>
             <a:endParaRPr lang="zh-TW" altLang="en-US"/>
           </a:p>
@@ -2298,8 +2298,8 @@
         </p:nvSpPr>
         <p:spPr>
           <a:xfrm>
-            <a:off x="1792288" y="4800600"/>
-            <a:ext cx="5486400" cy="566738"/>
+            <a:off x="1792288" y="3600450"/>
+            <a:ext cx="5486400" cy="425054"/>
           </a:xfrm>
         </p:spPr>
         <p:txBody>
@@ -2330,8 +2330,8 @@
         </p:nvSpPr>
         <p:spPr>
           <a:xfrm>
-            <a:off x="1792288" y="612775"/>
-            <a:ext cx="5486400" cy="4114800"/>
+            <a:off x="1792288" y="459581"/>
+            <a:ext cx="5486400" cy="3086100"/>
           </a:xfrm>
         </p:spPr>
         <p:txBody>
@@ -2395,8 +2395,8 @@
         </p:nvSpPr>
         <p:spPr>
           <a:xfrm>
-            <a:off x="1792288" y="5367338"/>
-            <a:ext cx="5486400" cy="804862"/>
+            <a:off x="1792288" y="4025503"/>
+            <a:ext cx="5486400" cy="603647"/>
           </a:xfrm>
         </p:spPr>
         <p:txBody>
@@ -2465,7 +2465,7 @@
           <a:p>
             <a:fld id="{886D2C6C-F116-448E-A79A-9A454AEBD3FD}" type="datetimeFigureOut">
               <a:rPr lang="zh-TW" altLang="en-US" smtClean="0"/>
-              <a:t>2018/2/10</a:t>
+              <a:t>2019/10/12</a:t>
             </a:fld>
             <a:endParaRPr lang="zh-TW" altLang="en-US"/>
           </a:p>
@@ -2560,8 +2560,8 @@
         </p:nvSpPr>
         <p:spPr>
           <a:xfrm>
-            <a:off x="457200" y="274638"/>
-            <a:ext cx="8229600" cy="1143000"/>
+            <a:off x="457200" y="205979"/>
+            <a:ext cx="8229600" cy="857250"/>
           </a:xfrm>
           <a:prstGeom prst="rect">
             <a:avLst/>
@@ -2593,8 +2593,8 @@
         </p:nvSpPr>
         <p:spPr>
           <a:xfrm>
-            <a:off x="457200" y="1600200"/>
-            <a:ext cx="8229600" cy="4525963"/>
+            <a:off x="457200" y="1200151"/>
+            <a:ext cx="8229600" cy="3394472"/>
           </a:xfrm>
           <a:prstGeom prst="rect">
             <a:avLst/>
@@ -2655,8 +2655,8 @@
         </p:nvSpPr>
         <p:spPr>
           <a:xfrm>
-            <a:off x="457200" y="6356350"/>
-            <a:ext cx="2133600" cy="365125"/>
+            <a:off x="457200" y="4767263"/>
+            <a:ext cx="2133600" cy="273844"/>
           </a:xfrm>
           <a:prstGeom prst="rect">
             <a:avLst/>
@@ -2678,7 +2678,7 @@
           <a:p>
             <a:fld id="{886D2C6C-F116-448E-A79A-9A454AEBD3FD}" type="datetimeFigureOut">
               <a:rPr lang="zh-TW" altLang="en-US" smtClean="0"/>
-              <a:t>2018/2/10</a:t>
+              <a:t>2019/10/12</a:t>
             </a:fld>
             <a:endParaRPr lang="zh-TW" altLang="en-US"/>
           </a:p>
@@ -2696,8 +2696,8 @@
         </p:nvSpPr>
         <p:spPr>
           <a:xfrm>
-            <a:off x="3124200" y="6356350"/>
-            <a:ext cx="2895600" cy="365125"/>
+            <a:off x="3124200" y="4767263"/>
+            <a:ext cx="2895600" cy="273844"/>
           </a:xfrm>
           <a:prstGeom prst="rect">
             <a:avLst/>
@@ -2733,8 +2733,8 @@
         </p:nvSpPr>
         <p:spPr>
           <a:xfrm>
-            <a:off x="6553200" y="6356350"/>
-            <a:ext cx="2133600" cy="365125"/>
+            <a:off x="6553200" y="4767263"/>
+            <a:ext cx="2133600" cy="273844"/>
           </a:xfrm>
           <a:prstGeom prst="rect">
             <a:avLst/>
@@ -3066,7 +3066,7 @@
           <a:lstStyle/>
           <a:p>
             <a:r>
-              <a:rPr lang="zh-TW" altLang="en-US" b="1" dirty="0" smtClean="0">
+              <a:rPr lang="zh-TW" altLang="en-US" sz="4000" b="1" dirty="0" smtClean="0">
                 <a:solidFill>
                   <a:srgbClr val="660033"/>
                 </a:solidFill>
@@ -3075,7 +3075,7 @@
               </a:rPr>
               <a:t>尊貴全能神 </a:t>
             </a:r>
-            <a:endParaRPr lang="zh-TW" altLang="en-US" b="1" dirty="0">
+            <a:endParaRPr lang="zh-TW" altLang="en-US" sz="4000" b="1" dirty="0">
               <a:solidFill>
                 <a:srgbClr val="660033"/>
               </a:solidFill>
@@ -3106,26 +3106,16 @@
               <a:buNone/>
             </a:pPr>
             <a:r>
-              <a:rPr lang="zh-TW" altLang="en-US" sz="5400" b="1" dirty="0" smtClean="0">
+              <a:rPr lang="zh-TW" altLang="en-US" sz="4800" b="1" dirty="0" smtClean="0">
                 <a:solidFill>
                   <a:srgbClr val="660033"/>
                 </a:solidFill>
                 <a:latin typeface="微軟正黑體" pitchFamily="34" charset="-120"/>
                 <a:ea typeface="微軟正黑體" pitchFamily="34" charset="-120"/>
               </a:rPr>
-              <a:t>全能真神祢</a:t>
-            </a:r>
-            <a:r>
-              <a:rPr lang="zh-TW" altLang="en-US" sz="5400" b="1" dirty="0" smtClean="0">
-                <a:solidFill>
-                  <a:srgbClr val="660033"/>
-                </a:solidFill>
-                <a:latin typeface="微軟正黑體" pitchFamily="34" charset="-120"/>
-                <a:ea typeface="微軟正黑體" pitchFamily="34" charset="-120"/>
-              </a:rPr>
-              <a:t>掌權</a:t>
-            </a:r>
-            <a:endParaRPr lang="en-US" altLang="zh-TW" sz="5400" b="1" dirty="0" smtClean="0">
+              <a:t>全能真神祢掌權</a:t>
+            </a:r>
+            <a:endParaRPr lang="en-US" altLang="zh-TW" sz="4800" b="1" dirty="0" smtClean="0">
               <a:solidFill>
                 <a:srgbClr val="660033"/>
               </a:solidFill>
@@ -3138,36 +3128,16 @@
               <a:buNone/>
             </a:pPr>
             <a:r>
-              <a:rPr lang="zh-TW" altLang="en-US" sz="5400" b="1" dirty="0" smtClean="0">
+              <a:rPr lang="zh-TW" altLang="en-US" sz="4800" b="1" dirty="0" smtClean="0">
                 <a:solidFill>
                   <a:srgbClr val="660033"/>
                 </a:solidFill>
                 <a:latin typeface="微軟正黑體" pitchFamily="34" charset="-120"/>
                 <a:ea typeface="微軟正黑體" pitchFamily="34" charset="-120"/>
               </a:rPr>
-              <a:t>祢</a:t>
-            </a:r>
-            <a:r>
-              <a:rPr lang="zh-TW" altLang="en-US" sz="5400" b="1" dirty="0" smtClean="0">
-                <a:solidFill>
-                  <a:srgbClr val="660033"/>
-                </a:solidFill>
-                <a:latin typeface="微軟正黑體" pitchFamily="34" charset="-120"/>
-                <a:ea typeface="微軟正黑體" pitchFamily="34" charset="-120"/>
-              </a:rPr>
-              <a:t>的慈愛永遠</a:t>
-            </a:r>
-            <a:r>
-              <a:rPr lang="zh-TW" altLang="en-US" sz="5400" b="1" dirty="0" smtClean="0">
-                <a:solidFill>
-                  <a:srgbClr val="660033"/>
-                </a:solidFill>
-                <a:latin typeface="微軟正黑體" pitchFamily="34" charset="-120"/>
-                <a:ea typeface="微軟正黑體" pitchFamily="34" charset="-120"/>
-              </a:rPr>
-              <a:t>長存</a:t>
-            </a:r>
-            <a:endParaRPr lang="en-US" altLang="zh-TW" sz="5400" b="1" dirty="0" smtClean="0">
+              <a:t>祢的慈愛永遠長存</a:t>
+            </a:r>
+            <a:endParaRPr lang="en-US" altLang="zh-TW" sz="4800" b="1" dirty="0" smtClean="0">
               <a:solidFill>
                 <a:srgbClr val="660033"/>
               </a:solidFill>
@@ -3180,26 +3150,16 @@
               <a:buNone/>
             </a:pPr>
             <a:r>
-              <a:rPr lang="zh-TW" altLang="en-US" sz="5400" b="1" dirty="0" smtClean="0">
+              <a:rPr lang="zh-TW" altLang="en-US" sz="4800" b="1" dirty="0" smtClean="0">
                 <a:solidFill>
                   <a:srgbClr val="660033"/>
                 </a:solidFill>
                 <a:latin typeface="微軟正黑體" pitchFamily="34" charset="-120"/>
                 <a:ea typeface="微軟正黑體" pitchFamily="34" charset="-120"/>
               </a:rPr>
-              <a:t>萬</a:t>
-            </a:r>
-            <a:r>
-              <a:rPr lang="zh-TW" altLang="en-US" sz="5400" b="1" dirty="0" smtClean="0">
-                <a:solidFill>
-                  <a:srgbClr val="660033"/>
-                </a:solidFill>
-                <a:latin typeface="微軟正黑體" pitchFamily="34" charset="-120"/>
-                <a:ea typeface="微軟正黑體" pitchFamily="34" charset="-120"/>
-              </a:rPr>
-              <a:t>民都來尊崇祢聖名</a:t>
-            </a:r>
-            <a:endParaRPr lang="zh-TW" altLang="en-US" sz="5400" b="1" dirty="0">
+              <a:t>萬民都來尊崇祢聖名</a:t>
+            </a:r>
+            <a:endParaRPr lang="zh-TW" altLang="en-US" sz="4800" b="1" dirty="0">
               <a:solidFill>
                 <a:srgbClr val="660033"/>
               </a:solidFill>
@@ -3252,14 +3212,24 @@
           <a:lstStyle/>
           <a:p>
             <a:r>
-              <a:rPr lang="zh-TW" altLang="en-US" b="1" dirty="0" smtClean="0">
+              <a:rPr lang="zh-TW" altLang="en-US" sz="4000" b="1" dirty="0">
                 <a:solidFill>
                   <a:srgbClr val="660033"/>
                 </a:solidFill>
                 <a:latin typeface="微軟正黑體" pitchFamily="34" charset="-120"/>
                 <a:ea typeface="微軟正黑體" pitchFamily="34" charset="-120"/>
               </a:rPr>
-              <a:t>尊貴全能神 </a:t>
+              <a:t>尊貴全能神</a:t>
+            </a:r>
+            <a:r>
+              <a:rPr lang="zh-TW" altLang="en-US" b="1" dirty="0" smtClean="0">
+                <a:solidFill>
+                  <a:srgbClr val="660033"/>
+                </a:solidFill>
+                <a:latin typeface="微軟正黑體" pitchFamily="34" charset="-120"/>
+                <a:ea typeface="微軟正黑體" pitchFamily="34" charset="-120"/>
+              </a:rPr>
+              <a:t> </a:t>
             </a:r>
             <a:endParaRPr lang="zh-TW" altLang="en-US" b="1" dirty="0">
               <a:solidFill>
@@ -3292,26 +3262,16 @@
               <a:buNone/>
             </a:pPr>
             <a:r>
-              <a:rPr lang="zh-TW" altLang="en-US" sz="5400" b="1" dirty="0" smtClean="0">
+              <a:rPr lang="zh-TW" altLang="en-US" sz="4800" b="1" dirty="0">
                 <a:solidFill>
                   <a:srgbClr val="660033"/>
                 </a:solidFill>
                 <a:latin typeface="微軟正黑體" pitchFamily="34" charset="-120"/>
                 <a:ea typeface="微軟正黑體" pitchFamily="34" charset="-120"/>
               </a:rPr>
-              <a:t>世上萬有屬於</a:t>
-            </a:r>
-            <a:r>
-              <a:rPr lang="zh-TW" altLang="en-US" sz="5400" b="1" dirty="0" smtClean="0">
-                <a:solidFill>
-                  <a:srgbClr val="660033"/>
-                </a:solidFill>
-                <a:latin typeface="微軟正黑體" pitchFamily="34" charset="-120"/>
-                <a:ea typeface="微軟正黑體" pitchFamily="34" charset="-120"/>
-              </a:rPr>
-              <a:t>祢</a:t>
-            </a:r>
-            <a:endParaRPr lang="en-US" altLang="zh-TW" sz="5400" b="1" dirty="0" smtClean="0">
+              <a:t>世上萬有屬於祢</a:t>
+            </a:r>
+            <a:endParaRPr lang="en-US" altLang="zh-TW" sz="4800" b="1" dirty="0">
               <a:solidFill>
                 <a:srgbClr val="660033"/>
               </a:solidFill>
@@ -3324,36 +3284,16 @@
               <a:buNone/>
             </a:pPr>
             <a:r>
-              <a:rPr lang="zh-TW" altLang="en-US" sz="5400" b="1" dirty="0" smtClean="0">
+              <a:rPr lang="zh-TW" altLang="en-US" sz="4800" b="1" dirty="0">
                 <a:solidFill>
                   <a:srgbClr val="660033"/>
                 </a:solidFill>
                 <a:latin typeface="微軟正黑體" pitchFamily="34" charset="-120"/>
                 <a:ea typeface="微軟正黑體" pitchFamily="34" charset="-120"/>
               </a:rPr>
-              <a:t>祢</a:t>
-            </a:r>
-            <a:r>
-              <a:rPr lang="zh-TW" altLang="en-US" sz="5400" b="1" dirty="0" smtClean="0">
-                <a:solidFill>
-                  <a:srgbClr val="660033"/>
-                </a:solidFill>
-                <a:latin typeface="微軟正黑體" pitchFamily="34" charset="-120"/>
-                <a:ea typeface="微軟正黑體" pitchFamily="34" charset="-120"/>
-              </a:rPr>
-              <a:t>的慈愛永遠</a:t>
-            </a:r>
-            <a:r>
-              <a:rPr lang="zh-TW" altLang="en-US" sz="5400" b="1" dirty="0" smtClean="0">
-                <a:solidFill>
-                  <a:srgbClr val="660033"/>
-                </a:solidFill>
-                <a:latin typeface="微軟正黑體" pitchFamily="34" charset="-120"/>
-                <a:ea typeface="微軟正黑體" pitchFamily="34" charset="-120"/>
-              </a:rPr>
-              <a:t>長存</a:t>
-            </a:r>
-            <a:endParaRPr lang="en-US" altLang="zh-TW" sz="5400" b="1" dirty="0" smtClean="0">
+              <a:t>祢的慈愛永遠長存</a:t>
+            </a:r>
+            <a:endParaRPr lang="en-US" altLang="zh-TW" sz="4800" b="1" dirty="0">
               <a:solidFill>
                 <a:srgbClr val="660033"/>
               </a:solidFill>
@@ -3366,26 +3306,16 @@
               <a:buNone/>
             </a:pPr>
             <a:r>
-              <a:rPr lang="zh-TW" altLang="en-US" sz="5400" b="1" dirty="0" smtClean="0">
+              <a:rPr lang="zh-TW" altLang="en-US" sz="4800" b="1" dirty="0">
                 <a:solidFill>
                   <a:srgbClr val="660033"/>
                 </a:solidFill>
                 <a:latin typeface="微軟正黑體" pitchFamily="34" charset="-120"/>
                 <a:ea typeface="微軟正黑體" pitchFamily="34" charset="-120"/>
               </a:rPr>
-              <a:t>榮耀</a:t>
-            </a:r>
-            <a:r>
-              <a:rPr lang="zh-TW" altLang="en-US" sz="5400" b="1" dirty="0" smtClean="0">
-                <a:solidFill>
-                  <a:srgbClr val="660033"/>
-                </a:solidFill>
-                <a:latin typeface="微軟正黑體" pitchFamily="34" charset="-120"/>
-                <a:ea typeface="微軟正黑體" pitchFamily="34" charset="-120"/>
-              </a:rPr>
-              <a:t>的名直存到永遠</a:t>
-            </a:r>
-            <a:endParaRPr lang="zh-TW" altLang="en-US" sz="5400" b="1" dirty="0">
+              <a:t>榮耀的名直存到永遠</a:t>
+            </a:r>
+            <a:endParaRPr lang="zh-TW" altLang="en-US" sz="4800" b="1" dirty="0">
               <a:solidFill>
                 <a:srgbClr val="660033"/>
               </a:solidFill>
@@ -3438,7 +3368,7 @@
           <a:lstStyle/>
           <a:p>
             <a:r>
-              <a:rPr lang="zh-TW" altLang="en-US" b="1" dirty="0" smtClean="0">
+              <a:rPr lang="zh-TW" altLang="en-US" sz="4000" b="1" dirty="0">
                 <a:solidFill>
                   <a:srgbClr val="660033"/>
                 </a:solidFill>
@@ -3447,7 +3377,7 @@
               </a:rPr>
               <a:t>尊貴全能神 </a:t>
             </a:r>
-            <a:endParaRPr lang="zh-TW" altLang="en-US" b="1" dirty="0">
+            <a:endParaRPr lang="zh-TW" altLang="en-US" sz="4000" b="1" dirty="0">
               <a:solidFill>
                 <a:srgbClr val="660033"/>
               </a:solidFill>
@@ -3478,7 +3408,7 @@
               <a:buNone/>
             </a:pPr>
             <a:r>
-              <a:rPr lang="zh-TW" altLang="en-US" sz="5400" b="1" dirty="0" smtClean="0">
+              <a:rPr lang="zh-TW" altLang="en-US" sz="4800" b="1" dirty="0">
                 <a:solidFill>
                   <a:srgbClr val="660033"/>
                 </a:solidFill>
@@ -3487,7 +3417,7 @@
               </a:rPr>
               <a:t>哈利路亞 尊貴全能神</a:t>
             </a:r>
-            <a:endParaRPr lang="en-US" altLang="zh-TW" sz="5400" b="1" dirty="0" smtClean="0">
+            <a:endParaRPr lang="en-US" altLang="zh-TW" sz="4800" b="1" dirty="0">
               <a:solidFill>
                 <a:srgbClr val="660033"/>
               </a:solidFill>
@@ -3500,7 +3430,7 @@
               <a:buNone/>
             </a:pPr>
             <a:r>
-              <a:rPr lang="zh-TW" altLang="en-US" sz="5400" b="1" dirty="0" smtClean="0">
+              <a:rPr lang="zh-TW" altLang="en-US" sz="4800" b="1" dirty="0">
                 <a:solidFill>
                   <a:srgbClr val="660033"/>
                 </a:solidFill>
@@ -3509,7 +3439,7 @@
               </a:rPr>
               <a:t>天地萬有都會滅沒</a:t>
             </a:r>
-            <a:endParaRPr lang="en-US" altLang="zh-TW" sz="5400" b="1" dirty="0" smtClean="0">
+            <a:endParaRPr lang="en-US" altLang="zh-TW" sz="4800" b="1" dirty="0">
               <a:solidFill>
                 <a:srgbClr val="660033"/>
               </a:solidFill>
@@ -3522,14 +3452,24 @@
               <a:buNone/>
             </a:pPr>
             <a:r>
-              <a:rPr lang="zh-TW" altLang="en-US" sz="5400" b="1" dirty="0" smtClean="0">
+              <a:rPr lang="zh-TW" altLang="en-US" sz="4800" b="1" dirty="0">
                 <a:solidFill>
                   <a:srgbClr val="660033"/>
                 </a:solidFill>
                 <a:latin typeface="微軟正黑體" pitchFamily="34" charset="-120"/>
                 <a:ea typeface="微軟正黑體" pitchFamily="34" charset="-120"/>
               </a:rPr>
-              <a:t>唯有祢永遠不改變 </a:t>
+              <a:t>唯有祢永遠不改變</a:t>
+            </a:r>
+            <a:r>
+              <a:rPr lang="zh-TW" altLang="en-US" sz="5400" b="1" dirty="0" smtClean="0">
+                <a:solidFill>
+                  <a:srgbClr val="660033"/>
+                </a:solidFill>
+                <a:latin typeface="微軟正黑體" pitchFamily="34" charset="-120"/>
+                <a:ea typeface="微軟正黑體" pitchFamily="34" charset="-120"/>
+              </a:rPr>
+              <a:t> </a:t>
             </a:r>
           </a:p>
         </p:txBody>
@@ -3577,7 +3517,7 @@
           <a:lstStyle/>
           <a:p>
             <a:r>
-              <a:rPr lang="zh-TW" altLang="en-US" b="1" dirty="0" smtClean="0">
+              <a:rPr lang="zh-TW" altLang="en-US" sz="4000" b="1" dirty="0">
                 <a:solidFill>
                   <a:srgbClr val="660033"/>
                 </a:solidFill>
@@ -3586,7 +3526,7 @@
               </a:rPr>
               <a:t>尊貴全能神 </a:t>
             </a:r>
-            <a:endParaRPr lang="zh-TW" altLang="en-US" b="1" dirty="0">
+            <a:endParaRPr lang="zh-TW" altLang="en-US" sz="4000" b="1" dirty="0">
               <a:solidFill>
                 <a:srgbClr val="660033"/>
               </a:solidFill>
@@ -3617,26 +3557,16 @@
               <a:buNone/>
             </a:pPr>
             <a:r>
-              <a:rPr lang="zh-TW" altLang="en-US" sz="5400" b="1" dirty="0" smtClean="0">
+              <a:rPr lang="zh-TW" altLang="en-US" sz="4800" b="1" dirty="0">
                 <a:solidFill>
                   <a:srgbClr val="660033"/>
                 </a:solidFill>
                 <a:latin typeface="微軟正黑體" pitchFamily="34" charset="-120"/>
                 <a:ea typeface="微軟正黑體" pitchFamily="34" charset="-120"/>
               </a:rPr>
-              <a:t>哈利路亞 聖潔全能</a:t>
-            </a:r>
-            <a:r>
-              <a:rPr lang="zh-TW" altLang="en-US" sz="5400" b="1" dirty="0" smtClean="0">
-                <a:solidFill>
-                  <a:srgbClr val="660033"/>
-                </a:solidFill>
-                <a:latin typeface="微軟正黑體" pitchFamily="34" charset="-120"/>
-                <a:ea typeface="微軟正黑體" pitchFamily="34" charset="-120"/>
-              </a:rPr>
-              <a:t>神</a:t>
-            </a:r>
-            <a:endParaRPr lang="en-US" altLang="zh-TW" sz="5400" b="1" dirty="0" smtClean="0">
+              <a:t>哈利路亞 聖潔全能神</a:t>
+            </a:r>
+            <a:endParaRPr lang="en-US" altLang="zh-TW" sz="4800" b="1" dirty="0">
               <a:solidFill>
                 <a:srgbClr val="660033"/>
               </a:solidFill>
@@ -3649,36 +3579,16 @@
               <a:buNone/>
             </a:pPr>
             <a:r>
-              <a:rPr lang="zh-TW" altLang="en-US" sz="5400" b="1" dirty="0" smtClean="0">
+              <a:rPr lang="zh-TW" altLang="en-US" sz="4800" b="1" dirty="0">
                 <a:solidFill>
                   <a:srgbClr val="660033"/>
                 </a:solidFill>
                 <a:latin typeface="微軟正黑體" pitchFamily="34" charset="-120"/>
                 <a:ea typeface="微軟正黑體" pitchFamily="34" charset="-120"/>
               </a:rPr>
-              <a:t>無</a:t>
-            </a:r>
-            <a:r>
-              <a:rPr lang="zh-TW" altLang="en-US" sz="5400" b="1" dirty="0" smtClean="0">
-                <a:solidFill>
-                  <a:srgbClr val="660033"/>
-                </a:solidFill>
-                <a:latin typeface="微軟正黑體" pitchFamily="34" charset="-120"/>
-                <a:ea typeface="微軟正黑體" pitchFamily="34" charset="-120"/>
-              </a:rPr>
-              <a:t>一人能與祢</a:t>
-            </a:r>
-            <a:r>
-              <a:rPr lang="zh-TW" altLang="en-US" sz="5400" b="1" dirty="0" smtClean="0">
-                <a:solidFill>
-                  <a:srgbClr val="660033"/>
-                </a:solidFill>
-                <a:latin typeface="微軟正黑體" pitchFamily="34" charset="-120"/>
-                <a:ea typeface="微軟正黑體" pitchFamily="34" charset="-120"/>
-              </a:rPr>
-              <a:t>相比</a:t>
-            </a:r>
-            <a:endParaRPr lang="en-US" altLang="zh-TW" sz="5400" b="1" dirty="0" smtClean="0">
+              <a:t>無一人能與祢相比</a:t>
+            </a:r>
+            <a:endParaRPr lang="en-US" altLang="zh-TW" sz="4800" b="1" dirty="0">
               <a:solidFill>
                 <a:srgbClr val="660033"/>
               </a:solidFill>
@@ -3691,24 +3601,14 @@
               <a:buNone/>
             </a:pPr>
             <a:r>
-              <a:rPr lang="zh-TW" altLang="en-US" sz="5400" b="1" dirty="0" smtClean="0">
+              <a:rPr lang="zh-TW" altLang="en-US" sz="4800" b="1" dirty="0">
                 <a:solidFill>
                   <a:srgbClr val="660033"/>
                 </a:solidFill>
                 <a:latin typeface="微軟正黑體" pitchFamily="34" charset="-120"/>
                 <a:ea typeface="微軟正黑體" pitchFamily="34" charset="-120"/>
               </a:rPr>
-              <a:t>所有</a:t>
-            </a:r>
-            <a:r>
-              <a:rPr lang="zh-TW" altLang="en-US" sz="5400" b="1" dirty="0" smtClean="0">
-                <a:solidFill>
-                  <a:srgbClr val="660033"/>
-                </a:solidFill>
-                <a:latin typeface="微軟正黑體" pitchFamily="34" charset="-120"/>
-                <a:ea typeface="微軟正黑體" pitchFamily="34" charset="-120"/>
-              </a:rPr>
-              <a:t>榮耀都歸於祢</a:t>
+              <a:t>所有榮耀都歸於祢</a:t>
             </a:r>
           </a:p>
         </p:txBody>
@@ -3756,7 +3656,7 @@
           <a:lstStyle/>
           <a:p>
             <a:r>
-              <a:rPr lang="zh-TW" altLang="en-US" b="1" dirty="0" smtClean="0">
+              <a:rPr lang="zh-TW" altLang="en-US" sz="4000" b="1" dirty="0">
                 <a:solidFill>
                   <a:srgbClr val="660033"/>
                 </a:solidFill>
@@ -3765,7 +3665,7 @@
               </a:rPr>
               <a:t>尊貴全能神 </a:t>
             </a:r>
-            <a:endParaRPr lang="zh-TW" altLang="en-US" b="1" dirty="0">
+            <a:endParaRPr lang="zh-TW" altLang="en-US" sz="4000" b="1" dirty="0">
               <a:solidFill>
                 <a:srgbClr val="660033"/>
               </a:solidFill>
@@ -3788,7 +3688,7 @@
         <p:spPr/>
         <p:txBody>
           <a:bodyPr>
-            <a:normAutofit/>
+            <a:noAutofit/>
           </a:bodyPr>
           <a:lstStyle/>
           <a:p>
@@ -3796,7 +3696,7 @@
               <a:buNone/>
             </a:pPr>
             <a:r>
-              <a:rPr lang="zh-TW" altLang="en-US" sz="5400" b="1" dirty="0" smtClean="0">
+              <a:rPr lang="zh-TW" altLang="en-US" sz="4800" b="1" dirty="0">
                 <a:solidFill>
                   <a:srgbClr val="660033"/>
                 </a:solidFill>
@@ -3805,7 +3705,7 @@
               </a:rPr>
               <a:t>宣告祢國度降臨</a:t>
             </a:r>
-            <a:endParaRPr lang="en-US" altLang="zh-TW" sz="5400" b="1" dirty="0" smtClean="0">
+            <a:endParaRPr lang="en-US" altLang="zh-TW" sz="4800" b="1" dirty="0">
               <a:solidFill>
                 <a:srgbClr val="660033"/>
               </a:solidFill>
@@ -3818,7 +3718,7 @@
               <a:buNone/>
             </a:pPr>
             <a:r>
-              <a:rPr lang="zh-TW" altLang="en-US" sz="5400" b="1" dirty="0" smtClean="0">
+              <a:rPr lang="zh-TW" altLang="en-US" sz="4800" b="1" dirty="0">
                 <a:solidFill>
                   <a:srgbClr val="660033"/>
                 </a:solidFill>
@@ -3827,7 +3727,7 @@
               </a:rPr>
               <a:t>祢旨意成全這地</a:t>
             </a:r>
-            <a:endParaRPr lang="en-US" altLang="zh-TW" sz="5400" b="1" dirty="0" smtClean="0">
+            <a:endParaRPr lang="en-US" altLang="zh-TW" sz="4800" b="1" dirty="0">
               <a:solidFill>
                 <a:srgbClr val="660033"/>
               </a:solidFill>
@@ -3840,7 +3740,7 @@
               <a:buNone/>
             </a:pPr>
             <a:r>
-              <a:rPr lang="zh-TW" altLang="en-US" sz="5400" b="1" dirty="0" smtClean="0">
+              <a:rPr lang="zh-TW" altLang="en-US" sz="4800" b="1" dirty="0">
                 <a:solidFill>
                   <a:srgbClr val="660033"/>
                 </a:solidFill>
@@ -3849,7 +3749,7 @@
               </a:rPr>
               <a:t>興起祢所選子民</a:t>
             </a:r>
-            <a:endParaRPr lang="en-US" altLang="zh-TW" sz="5400" b="1" dirty="0" smtClean="0">
+            <a:endParaRPr lang="en-US" altLang="zh-TW" sz="4800" b="1" dirty="0">
               <a:solidFill>
                 <a:srgbClr val="660033"/>
               </a:solidFill>
@@ -3862,7 +3762,7 @@
               <a:buNone/>
             </a:pPr>
             <a:r>
-              <a:rPr lang="zh-TW" altLang="en-US" sz="5400" b="1" dirty="0" smtClean="0">
+              <a:rPr lang="zh-TW" altLang="en-US" sz="4800" b="1" dirty="0">
                 <a:solidFill>
                   <a:srgbClr val="660033"/>
                 </a:solidFill>

--- a/尊貴全能神(崇拜版).pptx
+++ b/尊貴全能神(崇拜版).pptx
@@ -5,11 +5,17 @@
     <p:sldMasterId id="2147483660" r:id="rId1"/>
   </p:sldMasterIdLst>
   <p:sldIdLst>
-    <p:sldId id="256" r:id="rId2"/>
-    <p:sldId id="257" r:id="rId3"/>
-    <p:sldId id="258" r:id="rId4"/>
-    <p:sldId id="259" r:id="rId5"/>
-    <p:sldId id="260" r:id="rId6"/>
+    <p:sldId id="261" r:id="rId2"/>
+    <p:sldId id="262" r:id="rId3"/>
+    <p:sldId id="263" r:id="rId4"/>
+    <p:sldId id="264" r:id="rId5"/>
+    <p:sldId id="265" r:id="rId6"/>
+    <p:sldId id="266" r:id="rId7"/>
+    <p:sldId id="267" r:id="rId8"/>
+    <p:sldId id="268" r:id="rId9"/>
+    <p:sldId id="269" r:id="rId10"/>
+    <p:sldId id="270" r:id="rId11"/>
+    <p:sldId id="271" r:id="rId12"/>
   </p:sldIdLst>
   <p:sldSz cx="9144000" cy="5143500" type="screen16x9"/>
   <p:notesSz cx="6858000" cy="9144000"/>
@@ -108,6 +114,22 @@
       </a:defRPr>
     </a:lvl9pPr>
   </p:defaultTextStyle>
+  <p:extLst>
+    <p:ext uri="{EFAFB233-063F-42B5-8137-9DF3F51BA10A}">
+      <p15:sldGuideLst xmlns:p15="http://schemas.microsoft.com/office/powerpoint/2012/main">
+        <p15:guide id="1" orient="horz" pos="1620">
+          <p15:clr>
+            <a:srgbClr val="A4A3A4"/>
+          </p15:clr>
+        </p15:guide>
+        <p15:guide id="2" pos="2880">
+          <p15:clr>
+            <a:srgbClr val="A4A3A4"/>
+          </p15:clr>
+        </p15:guide>
+      </p15:sldGuideLst>
+    </p:ext>
+  </p:extLst>
 </p:presentation>
 </file>
 
@@ -292,7 +314,7 @@
           <a:p>
             <a:fld id="{886D2C6C-F116-448E-A79A-9A454AEBD3FD}" type="datetimeFigureOut">
               <a:rPr lang="zh-TW" altLang="en-US" smtClean="0"/>
-              <a:t>2019/10/12</a:t>
+              <a:t>2022/2/2</a:t>
             </a:fld>
             <a:endParaRPr lang="zh-TW" altLang="en-US"/>
           </a:p>
@@ -457,7 +479,7 @@
           <a:p>
             <a:fld id="{886D2C6C-F116-448E-A79A-9A454AEBD3FD}" type="datetimeFigureOut">
               <a:rPr lang="zh-TW" altLang="en-US" smtClean="0"/>
-              <a:t>2019/10/12</a:t>
+              <a:t>2022/2/2</a:t>
             </a:fld>
             <a:endParaRPr lang="zh-TW" altLang="en-US"/>
           </a:p>
@@ -632,7 +654,7 @@
           <a:p>
             <a:fld id="{886D2C6C-F116-448E-A79A-9A454AEBD3FD}" type="datetimeFigureOut">
               <a:rPr lang="zh-TW" altLang="en-US" smtClean="0"/>
-              <a:t>2019/10/12</a:t>
+              <a:t>2022/2/2</a:t>
             </a:fld>
             <a:endParaRPr lang="zh-TW" altLang="en-US"/>
           </a:p>
@@ -797,7 +819,7 @@
           <a:p>
             <a:fld id="{886D2C6C-F116-448E-A79A-9A454AEBD3FD}" type="datetimeFigureOut">
               <a:rPr lang="zh-TW" altLang="en-US" smtClean="0"/>
-              <a:t>2019/10/12</a:t>
+              <a:t>2022/2/2</a:t>
             </a:fld>
             <a:endParaRPr lang="zh-TW" altLang="en-US"/>
           </a:p>
@@ -1038,7 +1060,7 @@
           <a:p>
             <a:fld id="{886D2C6C-F116-448E-A79A-9A454AEBD3FD}" type="datetimeFigureOut">
               <a:rPr lang="zh-TW" altLang="en-US" smtClean="0"/>
-              <a:t>2019/10/12</a:t>
+              <a:t>2022/2/2</a:t>
             </a:fld>
             <a:endParaRPr lang="zh-TW" altLang="en-US"/>
           </a:p>
@@ -1321,7 +1343,7 @@
           <a:p>
             <a:fld id="{886D2C6C-F116-448E-A79A-9A454AEBD3FD}" type="datetimeFigureOut">
               <a:rPr lang="zh-TW" altLang="en-US" smtClean="0"/>
-              <a:t>2019/10/12</a:t>
+              <a:t>2022/2/2</a:t>
             </a:fld>
             <a:endParaRPr lang="zh-TW" altLang="en-US"/>
           </a:p>
@@ -1738,7 +1760,7 @@
           <a:p>
             <a:fld id="{886D2C6C-F116-448E-A79A-9A454AEBD3FD}" type="datetimeFigureOut">
               <a:rPr lang="zh-TW" altLang="en-US" smtClean="0"/>
-              <a:t>2019/10/12</a:t>
+              <a:t>2022/2/2</a:t>
             </a:fld>
             <a:endParaRPr lang="zh-TW" altLang="en-US"/>
           </a:p>
@@ -1851,7 +1873,7 @@
           <a:p>
             <a:fld id="{886D2C6C-F116-448E-A79A-9A454AEBD3FD}" type="datetimeFigureOut">
               <a:rPr lang="zh-TW" altLang="en-US" smtClean="0"/>
-              <a:t>2019/10/12</a:t>
+              <a:t>2022/2/2</a:t>
             </a:fld>
             <a:endParaRPr lang="zh-TW" altLang="en-US"/>
           </a:p>
@@ -1941,7 +1963,7 @@
           <a:p>
             <a:fld id="{886D2C6C-F116-448E-A79A-9A454AEBD3FD}" type="datetimeFigureOut">
               <a:rPr lang="zh-TW" altLang="en-US" smtClean="0"/>
-              <a:t>2019/10/12</a:t>
+              <a:t>2022/2/2</a:t>
             </a:fld>
             <a:endParaRPr lang="zh-TW" altLang="en-US"/>
           </a:p>
@@ -2213,7 +2235,7 @@
           <a:p>
             <a:fld id="{886D2C6C-F116-448E-A79A-9A454AEBD3FD}" type="datetimeFigureOut">
               <a:rPr lang="zh-TW" altLang="en-US" smtClean="0"/>
-              <a:t>2019/10/12</a:t>
+              <a:t>2022/2/2</a:t>
             </a:fld>
             <a:endParaRPr lang="zh-TW" altLang="en-US"/>
           </a:p>
@@ -2465,7 +2487,7 @@
           <a:p>
             <a:fld id="{886D2C6C-F116-448E-A79A-9A454AEBD3FD}" type="datetimeFigureOut">
               <a:rPr lang="zh-TW" altLang="en-US" smtClean="0"/>
-              <a:t>2019/10/12</a:t>
+              <a:t>2022/2/2</a:t>
             </a:fld>
             <a:endParaRPr lang="zh-TW" altLang="en-US"/>
           </a:p>
@@ -2678,7 +2700,7 @@
           <a:p>
             <a:fld id="{886D2C6C-F116-448E-A79A-9A454AEBD3FD}" type="datetimeFigureOut">
               <a:rPr lang="zh-TW" altLang="en-US" smtClean="0"/>
-              <a:t>2019/10/12</a:t>
+              <a:t>2022/2/2</a:t>
             </a:fld>
             <a:endParaRPr lang="zh-TW" altLang="en-US"/>
           </a:p>
@@ -3058,24 +3080,118 @@
             <p:ph type="title"/>
           </p:nvPr>
         </p:nvSpPr>
-        <p:spPr/>
+        <p:spPr>
+          <a:xfrm>
+            <a:off x="0" y="1995686"/>
+            <a:ext cx="9144000" cy="857250"/>
+          </a:xfrm>
+        </p:spPr>
         <p:txBody>
           <a:bodyPr>
-            <a:normAutofit/>
+            <a:noAutofit/>
           </a:bodyPr>
           <a:lstStyle/>
           <a:p>
             <a:r>
-              <a:rPr lang="zh-TW" altLang="en-US" sz="4000" b="1" dirty="0" smtClean="0">
+              <a:rPr lang="zh-TW" altLang="en-US" sz="5400" b="1" i="1" dirty="0" smtClean="0">
                 <a:solidFill>
                   <a:srgbClr val="660033"/>
                 </a:solidFill>
+                <a:effectLst>
+                  <a:outerShdw blurRad="38100" dist="38100" dir="2700000" algn="tl">
+                    <a:srgbClr val="000000">
+                      <a:alpha val="43137"/>
+                    </a:srgbClr>
+                  </a:outerShdw>
+                </a:effectLst>
                 <a:latin typeface="微軟正黑體" pitchFamily="34" charset="-120"/>
                 <a:ea typeface="微軟正黑體" pitchFamily="34" charset="-120"/>
               </a:rPr>
-              <a:t>尊貴全能神 </a:t>
-            </a:r>
-            <a:endParaRPr lang="zh-TW" altLang="en-US" sz="4000" b="1" dirty="0">
+              <a:t>尊貴全能神</a:t>
+            </a:r>
+            <a:endParaRPr lang="zh-TW" altLang="en-US" sz="5400" b="1" i="1" dirty="0">
+              <a:solidFill>
+                <a:srgbClr val="660033"/>
+              </a:solidFill>
+              <a:effectLst>
+                <a:outerShdw blurRad="38100" dist="38100" dir="2700000" algn="tl">
+                  <a:srgbClr val="000000">
+                    <a:alpha val="43137"/>
+                  </a:srgbClr>
+                </a:outerShdw>
+              </a:effectLst>
+              <a:latin typeface="微軟正黑體" pitchFamily="34" charset="-120"/>
+              <a:ea typeface="微軟正黑體" pitchFamily="34" charset="-120"/>
+            </a:endParaRPr>
+          </a:p>
+        </p:txBody>
+      </p:sp>
+    </p:spTree>
+    <p:extLst>
+      <p:ext uri="{BB962C8B-B14F-4D97-AF65-F5344CB8AC3E}">
+        <p14:creationId xmlns:p14="http://schemas.microsoft.com/office/powerpoint/2010/main" val="1569236867"/>
+      </p:ext>
+    </p:extLst>
+  </p:cSld>
+  <p:clrMapOvr>
+    <a:masterClrMapping/>
+  </p:clrMapOvr>
+</p:sld>
+</file>
+
+<file path=ppt/slides/slide10.xml><?xml version="1.0" encoding="utf-8"?>
+<p:sld xmlns:a="http://schemas.openxmlformats.org/drawingml/2006/main" xmlns:r="http://schemas.openxmlformats.org/officeDocument/2006/relationships" xmlns:p="http://schemas.openxmlformats.org/presentationml/2006/main">
+  <p:cSld>
+    <p:spTree>
+      <p:nvGrpSpPr>
+        <p:cNvPr id="1" name=""/>
+        <p:cNvGrpSpPr/>
+        <p:nvPr/>
+      </p:nvGrpSpPr>
+      <p:grpSpPr>
+        <a:xfrm>
+          <a:off x="0" y="0"/>
+          <a:ext cx="0" cy="0"/>
+          <a:chOff x="0" y="0"/>
+          <a:chExt cx="0" cy="0"/>
+        </a:xfrm>
+      </p:grpSpPr>
+      <p:sp>
+        <p:nvSpPr>
+          <p:cNvPr id="5" name="內容版面配置區 4"/>
+          <p:cNvSpPr>
+            <a:spLocks noGrp="1"/>
+          </p:cNvSpPr>
+          <p:nvPr>
+            <p:ph idx="1"/>
+          </p:nvPr>
+        </p:nvSpPr>
+        <p:spPr>
+          <a:xfrm>
+            <a:off x="0" y="1563638"/>
+            <a:ext cx="9144000" cy="1803647"/>
+          </a:xfrm>
+        </p:spPr>
+        <p:txBody>
+          <a:bodyPr anchor="ctr">
+            <a:normAutofit/>
+          </a:bodyPr>
+          <a:lstStyle/>
+          <a:p>
+            <a:pPr algn="ctr">
+              <a:buNone/>
+            </a:pPr>
+            <a:r>
+              <a:rPr lang="zh-TW" altLang="en-US" sz="4800" b="1" dirty="0">
+                <a:solidFill>
+                  <a:srgbClr val="660033"/>
+                </a:solidFill>
+                <a:latin typeface="微軟正黑體" pitchFamily="34" charset="-120"/>
+                <a:ea typeface="微軟正黑體" pitchFamily="34" charset="-120"/>
+              </a:rPr>
+              <a:t>宣告祢國度降臨</a:t>
+            </a:r>
+            <a:endParaRPr lang="en-US" altLang="zh-TW" sz="4800" b="1" dirty="0">
               <a:solidFill>
                 <a:srgbClr val="660033"/>
               </a:solidFill>
@@ -3083,39 +3199,21 @@
               <a:ea typeface="微軟正黑體" pitchFamily="34" charset="-120"/>
             </a:endParaRPr>
           </a:p>
-        </p:txBody>
-      </p:sp>
-      <p:sp>
-        <p:nvSpPr>
-          <p:cNvPr id="5" name="內容版面配置區 4"/>
-          <p:cNvSpPr>
-            <a:spLocks noGrp="1"/>
-          </p:cNvSpPr>
-          <p:nvPr>
-            <p:ph idx="1"/>
-          </p:nvPr>
-        </p:nvSpPr>
-        <p:spPr/>
-        <p:txBody>
-          <a:bodyPr>
-            <a:normAutofit/>
-          </a:bodyPr>
-          <a:lstStyle/>
           <a:p>
             <a:pPr algn="ctr">
               <a:buNone/>
             </a:pPr>
             <a:r>
-              <a:rPr lang="zh-TW" altLang="en-US" sz="4800" b="1" dirty="0" smtClean="0">
+              <a:rPr lang="zh-TW" altLang="en-US" sz="4800" b="1" dirty="0">
                 <a:solidFill>
                   <a:srgbClr val="660033"/>
                 </a:solidFill>
                 <a:latin typeface="微軟正黑體" pitchFamily="34" charset="-120"/>
                 <a:ea typeface="微軟正黑體" pitchFamily="34" charset="-120"/>
               </a:rPr>
-              <a:t>全能真神祢掌權</a:t>
-            </a:r>
-            <a:endParaRPr lang="en-US" altLang="zh-TW" sz="4800" b="1" dirty="0" smtClean="0">
+              <a:t>祢旨意成全這地</a:t>
+            </a:r>
+            <a:endParaRPr lang="en-US" altLang="zh-TW" sz="4800" b="1" dirty="0">
               <a:solidFill>
                 <a:srgbClr val="660033"/>
               </a:solidFill>
@@ -3123,21 +3221,145 @@
               <a:ea typeface="微軟正黑體" pitchFamily="34" charset="-120"/>
             </a:endParaRPr>
           </a:p>
+        </p:txBody>
+      </p:sp>
+      <p:sp>
+        <p:nvSpPr>
+          <p:cNvPr id="3" name="TextBox 2"/>
+          <p:cNvSpPr txBox="1"/>
+          <p:nvPr/>
+        </p:nvSpPr>
+        <p:spPr>
+          <a:xfrm>
+            <a:off x="0" y="3795886"/>
+            <a:ext cx="9144000" cy="646331"/>
+          </a:xfrm>
+          <a:prstGeom prst="rect">
+            <a:avLst/>
+          </a:prstGeom>
+          <a:noFill/>
+        </p:spPr>
+        <p:txBody>
+          <a:bodyPr wrap="square" rtlCol="0">
+            <a:spAutoFit/>
+          </a:bodyPr>
+          <a:lstStyle/>
+          <a:p>
+            <a:pPr algn="ctr"/>
+            <a:r>
+              <a:rPr lang="en-US" sz="3600" b="1" dirty="0">
+                <a:solidFill>
+                  <a:srgbClr val="660033"/>
+                </a:solidFill>
+                <a:effectLst/>
+                <a:latin typeface="Microsoft JhengHei" panose="020B0604030504040204" pitchFamily="34" charset="-120"/>
+                <a:ea typeface="Microsoft JhengHei" panose="020B0604030504040204" pitchFamily="34" charset="-120"/>
+                <a:cs typeface="Microsoft Himalaya" panose="01010100010101010101" pitchFamily="2" charset="0"/>
+              </a:rPr>
+              <a:t>( </a:t>
+            </a:r>
+            <a:r>
+              <a:rPr lang="zh-CN" altLang="en-US" sz="3600" b="1" dirty="0" smtClean="0">
+                <a:solidFill>
+                  <a:srgbClr val="660033"/>
+                </a:solidFill>
+                <a:effectLst/>
+                <a:latin typeface="Microsoft JhengHei" panose="020B0604030504040204" pitchFamily="34" charset="-120"/>
+                <a:ea typeface="Microsoft JhengHei" panose="020B0604030504040204" pitchFamily="34" charset="-120"/>
+                <a:cs typeface="Microsoft Himalaya" panose="01010100010101010101" pitchFamily="2" charset="0"/>
+              </a:rPr>
+              <a:t>橋 </a:t>
+            </a:r>
+            <a:r>
+              <a:rPr lang="en-US" sz="3600" b="1" dirty="0">
+                <a:solidFill>
+                  <a:srgbClr val="660033"/>
+                </a:solidFill>
+                <a:effectLst/>
+                <a:latin typeface="Microsoft JhengHei" panose="020B0604030504040204" pitchFamily="34" charset="-120"/>
+                <a:ea typeface="Microsoft JhengHei" panose="020B0604030504040204" pitchFamily="34" charset="-120"/>
+                <a:cs typeface="Microsoft Himalaya" panose="01010100010101010101" pitchFamily="2" charset="0"/>
+              </a:rPr>
+              <a:t>)</a:t>
+            </a:r>
+            <a:endParaRPr lang="vi-VN" sz="3600" b="1" dirty="0">
+              <a:solidFill>
+                <a:srgbClr val="660033"/>
+              </a:solidFill>
+              <a:effectLst/>
+              <a:latin typeface="Microsoft JhengHei" panose="020B0604030504040204" pitchFamily="34" charset="-120"/>
+              <a:ea typeface="Microsoft JhengHei" panose="020B0604030504040204" pitchFamily="34" charset="-120"/>
+              <a:cs typeface="Microsoft Himalaya" panose="01010100010101010101" pitchFamily="2" charset="0"/>
+            </a:endParaRPr>
+          </a:p>
+        </p:txBody>
+      </p:sp>
+    </p:spTree>
+    <p:extLst>
+      <p:ext uri="{BB962C8B-B14F-4D97-AF65-F5344CB8AC3E}">
+        <p14:creationId xmlns:p14="http://schemas.microsoft.com/office/powerpoint/2010/main" val="520445933"/>
+      </p:ext>
+    </p:extLst>
+  </p:cSld>
+  <p:clrMapOvr>
+    <a:masterClrMapping/>
+  </p:clrMapOvr>
+</p:sld>
+</file>
+
+<file path=ppt/slides/slide11.xml><?xml version="1.0" encoding="utf-8"?>
+<p:sld xmlns:a="http://schemas.openxmlformats.org/drawingml/2006/main" xmlns:r="http://schemas.openxmlformats.org/officeDocument/2006/relationships" xmlns:p="http://schemas.openxmlformats.org/presentationml/2006/main">
+  <p:cSld>
+    <p:spTree>
+      <p:nvGrpSpPr>
+        <p:cNvPr id="1" name=""/>
+        <p:cNvGrpSpPr/>
+        <p:nvPr/>
+      </p:nvGrpSpPr>
+      <p:grpSpPr>
+        <a:xfrm>
+          <a:off x="0" y="0"/>
+          <a:ext cx="0" cy="0"/>
+          <a:chOff x="0" y="0"/>
+          <a:chExt cx="0" cy="0"/>
+        </a:xfrm>
+      </p:grpSpPr>
+      <p:sp>
+        <p:nvSpPr>
+          <p:cNvPr id="5" name="內容版面配置區 4"/>
+          <p:cNvSpPr>
+            <a:spLocks noGrp="1"/>
+          </p:cNvSpPr>
+          <p:nvPr>
+            <p:ph idx="1"/>
+          </p:nvPr>
+        </p:nvSpPr>
+        <p:spPr>
+          <a:xfrm>
+            <a:off x="0" y="1563638"/>
+            <a:ext cx="9144000" cy="1803647"/>
+          </a:xfrm>
+        </p:spPr>
+        <p:txBody>
+          <a:bodyPr anchor="ctr">
+            <a:normAutofit/>
+          </a:bodyPr>
+          <a:lstStyle/>
           <a:p>
             <a:pPr algn="ctr">
               <a:buNone/>
             </a:pPr>
             <a:r>
-              <a:rPr lang="zh-TW" altLang="en-US" sz="4800" b="1" dirty="0" smtClean="0">
+              <a:rPr lang="zh-TW" altLang="en-US" sz="4800" b="1" dirty="0">
                 <a:solidFill>
                   <a:srgbClr val="660033"/>
                 </a:solidFill>
                 <a:latin typeface="微軟正黑體" pitchFamily="34" charset="-120"/>
                 <a:ea typeface="微軟正黑體" pitchFamily="34" charset="-120"/>
               </a:rPr>
-              <a:t>祢的慈愛永遠長存</a:t>
-            </a:r>
-            <a:endParaRPr lang="en-US" altLang="zh-TW" sz="4800" b="1" dirty="0" smtClean="0">
+              <a:t>興起祢所選子民</a:t>
+            </a:r>
+            <a:endParaRPr lang="en-US" altLang="zh-TW" sz="4800" b="1" dirty="0">
               <a:solidFill>
                 <a:srgbClr val="660033"/>
               </a:solidFill>
@@ -3150,14 +3372,14 @@
               <a:buNone/>
             </a:pPr>
             <a:r>
-              <a:rPr lang="zh-TW" altLang="en-US" sz="4800" b="1" dirty="0" smtClean="0">
+              <a:rPr lang="zh-TW" altLang="en-US" sz="4800" b="1" dirty="0">
                 <a:solidFill>
                   <a:srgbClr val="660033"/>
                 </a:solidFill>
                 <a:latin typeface="微軟正黑體" pitchFamily="34" charset="-120"/>
                 <a:ea typeface="微軟正黑體" pitchFamily="34" charset="-120"/>
               </a:rPr>
-              <a:t>萬民都來尊崇祢聖名</a:t>
+              <a:t>高舉祢榮耀的名</a:t>
             </a:r>
             <a:endParaRPr lang="zh-TW" altLang="en-US" sz="4800" b="1" dirty="0">
               <a:solidFill>
@@ -3169,7 +3391,83 @@
           </a:p>
         </p:txBody>
       </p:sp>
+      <p:sp>
+        <p:nvSpPr>
+          <p:cNvPr id="3" name="TextBox 2"/>
+          <p:cNvSpPr txBox="1"/>
+          <p:nvPr/>
+        </p:nvSpPr>
+        <p:spPr>
+          <a:xfrm>
+            <a:off x="0" y="3795886"/>
+            <a:ext cx="9144000" cy="646331"/>
+          </a:xfrm>
+          <a:prstGeom prst="rect">
+            <a:avLst/>
+          </a:prstGeom>
+          <a:noFill/>
+        </p:spPr>
+        <p:txBody>
+          <a:bodyPr wrap="square" rtlCol="0">
+            <a:spAutoFit/>
+          </a:bodyPr>
+          <a:lstStyle/>
+          <a:p>
+            <a:pPr algn="ctr"/>
+            <a:r>
+              <a:rPr lang="en-US" sz="3600" b="1" dirty="0">
+                <a:solidFill>
+                  <a:srgbClr val="660033"/>
+                </a:solidFill>
+                <a:effectLst/>
+                <a:latin typeface="Microsoft JhengHei" panose="020B0604030504040204" pitchFamily="34" charset="-120"/>
+                <a:ea typeface="Microsoft JhengHei" panose="020B0604030504040204" pitchFamily="34" charset="-120"/>
+                <a:cs typeface="Microsoft Himalaya" panose="01010100010101010101" pitchFamily="2" charset="0"/>
+              </a:rPr>
+              <a:t>( </a:t>
+            </a:r>
+            <a:r>
+              <a:rPr lang="zh-CN" altLang="en-US" sz="3600" b="1" dirty="0" smtClean="0">
+                <a:solidFill>
+                  <a:srgbClr val="660033"/>
+                </a:solidFill>
+                <a:effectLst/>
+                <a:latin typeface="Microsoft JhengHei" panose="020B0604030504040204" pitchFamily="34" charset="-120"/>
+                <a:ea typeface="Microsoft JhengHei" panose="020B0604030504040204" pitchFamily="34" charset="-120"/>
+                <a:cs typeface="Microsoft Himalaya" panose="01010100010101010101" pitchFamily="2" charset="0"/>
+              </a:rPr>
+              <a:t>橋 </a:t>
+            </a:r>
+            <a:r>
+              <a:rPr lang="en-US" sz="3600" b="1" dirty="0">
+                <a:solidFill>
+                  <a:srgbClr val="660033"/>
+                </a:solidFill>
+                <a:effectLst/>
+                <a:latin typeface="Microsoft JhengHei" panose="020B0604030504040204" pitchFamily="34" charset="-120"/>
+                <a:ea typeface="Microsoft JhengHei" panose="020B0604030504040204" pitchFamily="34" charset="-120"/>
+                <a:cs typeface="Microsoft Himalaya" panose="01010100010101010101" pitchFamily="2" charset="0"/>
+              </a:rPr>
+              <a:t>)</a:t>
+            </a:r>
+            <a:endParaRPr lang="vi-VN" sz="3600" b="1" dirty="0">
+              <a:solidFill>
+                <a:srgbClr val="660033"/>
+              </a:solidFill>
+              <a:effectLst/>
+              <a:latin typeface="Microsoft JhengHei" panose="020B0604030504040204" pitchFamily="34" charset="-120"/>
+              <a:ea typeface="Microsoft JhengHei" panose="020B0604030504040204" pitchFamily="34" charset="-120"/>
+              <a:cs typeface="Microsoft Himalaya" panose="01010100010101010101" pitchFamily="2" charset="0"/>
+            </a:endParaRPr>
+          </a:p>
+        </p:txBody>
+      </p:sp>
     </p:spTree>
+    <p:extLst>
+      <p:ext uri="{BB962C8B-B14F-4D97-AF65-F5344CB8AC3E}">
+        <p14:creationId xmlns:p14="http://schemas.microsoft.com/office/powerpoint/2010/main" val="767825228"/>
+      </p:ext>
+    </p:extLst>
   </p:cSld>
   <p:clrMapOvr>
     <a:masterClrMapping/>
@@ -3196,42 +3494,40 @@
       </p:grpSpPr>
       <p:sp>
         <p:nvSpPr>
-          <p:cNvPr id="4" name="標題 3"/>
-          <p:cNvSpPr>
-            <a:spLocks noGrp="1"/>
-          </p:cNvSpPr>
-          <p:nvPr>
-            <p:ph type="title"/>
-          </p:nvPr>
-        </p:nvSpPr>
-        <p:spPr/>
-        <p:txBody>
-          <a:bodyPr>
+          <p:cNvPr id="5" name="內容版面配置區 4"/>
+          <p:cNvSpPr>
+            <a:spLocks noGrp="1"/>
+          </p:cNvSpPr>
+          <p:nvPr>
+            <p:ph idx="1"/>
+          </p:nvPr>
+        </p:nvSpPr>
+        <p:spPr>
+          <a:xfrm>
+            <a:off x="0" y="1563638"/>
+            <a:ext cx="9144000" cy="1803647"/>
+          </a:xfrm>
+        </p:spPr>
+        <p:txBody>
+          <a:bodyPr anchor="ctr">
             <a:normAutofit/>
           </a:bodyPr>
           <a:lstStyle/>
           <a:p>
-            <a:r>
-              <a:rPr lang="zh-TW" altLang="en-US" sz="4000" b="1" dirty="0">
+            <a:pPr algn="ctr">
+              <a:buNone/>
+            </a:pPr>
+            <a:r>
+              <a:rPr lang="zh-TW" altLang="en-US" sz="4800" b="1" dirty="0" smtClean="0">
                 <a:solidFill>
                   <a:srgbClr val="660033"/>
                 </a:solidFill>
                 <a:latin typeface="微軟正黑體" pitchFamily="34" charset="-120"/>
                 <a:ea typeface="微軟正黑體" pitchFamily="34" charset="-120"/>
               </a:rPr>
-              <a:t>尊貴全能神</a:t>
-            </a:r>
-            <a:r>
-              <a:rPr lang="zh-TW" altLang="en-US" b="1" dirty="0" smtClean="0">
-                <a:solidFill>
-                  <a:srgbClr val="660033"/>
-                </a:solidFill>
-                <a:latin typeface="微軟正黑體" pitchFamily="34" charset="-120"/>
-                <a:ea typeface="微軟正黑體" pitchFamily="34" charset="-120"/>
-              </a:rPr>
-              <a:t> </a:t>
-            </a:r>
-            <a:endParaRPr lang="zh-TW" altLang="en-US" b="1" dirty="0">
+              <a:t>全能真神祢掌權</a:t>
+            </a:r>
+            <a:endParaRPr lang="en-US" altLang="zh-TW" sz="4800" b="1" dirty="0" smtClean="0">
               <a:solidFill>
                 <a:srgbClr val="660033"/>
               </a:solidFill>
@@ -3239,39 +3535,21 @@
               <a:ea typeface="微軟正黑體" pitchFamily="34" charset="-120"/>
             </a:endParaRPr>
           </a:p>
-        </p:txBody>
-      </p:sp>
-      <p:sp>
-        <p:nvSpPr>
-          <p:cNvPr id="5" name="內容版面配置區 4"/>
-          <p:cNvSpPr>
-            <a:spLocks noGrp="1"/>
-          </p:cNvSpPr>
-          <p:nvPr>
-            <p:ph idx="1"/>
-          </p:nvPr>
-        </p:nvSpPr>
-        <p:spPr/>
-        <p:txBody>
-          <a:bodyPr>
-            <a:normAutofit/>
-          </a:bodyPr>
-          <a:lstStyle/>
           <a:p>
             <a:pPr algn="ctr">
               <a:buNone/>
             </a:pPr>
             <a:r>
-              <a:rPr lang="zh-TW" altLang="en-US" sz="4800" b="1" dirty="0">
+              <a:rPr lang="zh-TW" altLang="en-US" sz="4800" b="1" dirty="0" smtClean="0">
                 <a:solidFill>
                   <a:srgbClr val="660033"/>
                 </a:solidFill>
                 <a:latin typeface="微軟正黑體" pitchFamily="34" charset="-120"/>
                 <a:ea typeface="微軟正黑體" pitchFamily="34" charset="-120"/>
               </a:rPr>
-              <a:t>世上萬有屬於祢</a:t>
-            </a:r>
-            <a:endParaRPr lang="en-US" altLang="zh-TW" sz="4800" b="1" dirty="0">
+              <a:t>祢的慈愛永遠長存</a:t>
+            </a:r>
+            <a:endParaRPr lang="en-US" altLang="zh-TW" sz="4800" b="1" dirty="0" smtClean="0">
               <a:solidFill>
                 <a:srgbClr val="660033"/>
               </a:solidFill>
@@ -3279,53 +3557,85 @@
               <a:ea typeface="微軟正黑體" pitchFamily="34" charset="-120"/>
             </a:endParaRPr>
           </a:p>
-          <a:p>
-            <a:pPr algn="ctr">
-              <a:buNone/>
-            </a:pPr>
-            <a:r>
-              <a:rPr lang="zh-TW" altLang="en-US" sz="4800" b="1" dirty="0">
+        </p:txBody>
+      </p:sp>
+      <p:sp>
+        <p:nvSpPr>
+          <p:cNvPr id="3" name="TextBox 2"/>
+          <p:cNvSpPr txBox="1"/>
+          <p:nvPr/>
+        </p:nvSpPr>
+        <p:spPr>
+          <a:xfrm>
+            <a:off x="0" y="3795886"/>
+            <a:ext cx="9144000" cy="646331"/>
+          </a:xfrm>
+          <a:prstGeom prst="rect">
+            <a:avLst/>
+          </a:prstGeom>
+          <a:noFill/>
+        </p:spPr>
+        <p:txBody>
+          <a:bodyPr wrap="square" rtlCol="0">
+            <a:spAutoFit/>
+          </a:bodyPr>
+          <a:lstStyle/>
+          <a:p>
+            <a:pPr algn="ctr"/>
+            <a:r>
+              <a:rPr lang="en-US" sz="3600" b="1" dirty="0">
                 <a:solidFill>
                   <a:srgbClr val="660033"/>
                 </a:solidFill>
-                <a:latin typeface="微軟正黑體" pitchFamily="34" charset="-120"/>
-                <a:ea typeface="微軟正黑體" pitchFamily="34" charset="-120"/>
+                <a:effectLst/>
+                <a:latin typeface="Microsoft JhengHei" panose="020B0604030504040204" pitchFamily="34" charset="-120"/>
+                <a:ea typeface="Microsoft JhengHei" panose="020B0604030504040204" pitchFamily="34" charset="-120"/>
+                <a:cs typeface="Microsoft Himalaya" panose="01010100010101010101" pitchFamily="2" charset="0"/>
               </a:rPr>
-              <a:t>祢的慈愛永遠長存</a:t>
-            </a:r>
-            <a:endParaRPr lang="en-US" altLang="zh-TW" sz="4800" b="1" dirty="0">
+              <a:t>( </a:t>
+            </a:r>
+            <a:r>
+              <a:rPr lang="zh-CN" altLang="en-US" sz="3600" b="1" dirty="0">
+                <a:solidFill>
+                  <a:srgbClr val="660033"/>
+                </a:solidFill>
+                <a:effectLst/>
+                <a:latin typeface="Microsoft JhengHei" panose="020B0604030504040204" pitchFamily="34" charset="-120"/>
+                <a:ea typeface="Microsoft JhengHei" panose="020B0604030504040204" pitchFamily="34" charset="-120"/>
+                <a:cs typeface="Microsoft Himalaya" panose="01010100010101010101" pitchFamily="2" charset="0"/>
+              </a:rPr>
+              <a:t>正 </a:t>
+            </a:r>
+            <a:r>
+              <a:rPr lang="en-US" sz="3600" b="1" dirty="0">
+                <a:solidFill>
+                  <a:srgbClr val="660033"/>
+                </a:solidFill>
+                <a:effectLst/>
+                <a:latin typeface="Microsoft JhengHei" panose="020B0604030504040204" pitchFamily="34" charset="-120"/>
+                <a:ea typeface="Microsoft JhengHei" panose="020B0604030504040204" pitchFamily="34" charset="-120"/>
+                <a:cs typeface="Microsoft Himalaya" panose="01010100010101010101" pitchFamily="2" charset="0"/>
+              </a:rPr>
+              <a:t>)</a:t>
+            </a:r>
+            <a:endParaRPr lang="vi-VN" sz="3600" b="1" dirty="0">
               <a:solidFill>
                 <a:srgbClr val="660033"/>
               </a:solidFill>
-              <a:latin typeface="微軟正黑體" pitchFamily="34" charset="-120"/>
-              <a:ea typeface="微軟正黑體" pitchFamily="34" charset="-120"/>
+              <a:effectLst/>
+              <a:latin typeface="Microsoft JhengHei" panose="020B0604030504040204" pitchFamily="34" charset="-120"/>
+              <a:ea typeface="Microsoft JhengHei" panose="020B0604030504040204" pitchFamily="34" charset="-120"/>
+              <a:cs typeface="Microsoft Himalaya" panose="01010100010101010101" pitchFamily="2" charset="0"/>
             </a:endParaRPr>
           </a:p>
-          <a:p>
-            <a:pPr algn="ctr">
-              <a:buNone/>
-            </a:pPr>
-            <a:r>
-              <a:rPr lang="zh-TW" altLang="en-US" sz="4800" b="1" dirty="0">
-                <a:solidFill>
-                  <a:srgbClr val="660033"/>
-                </a:solidFill>
-                <a:latin typeface="微軟正黑體" pitchFamily="34" charset="-120"/>
-                <a:ea typeface="微軟正黑體" pitchFamily="34" charset="-120"/>
-              </a:rPr>
-              <a:t>榮耀的名直存到永遠</a:t>
-            </a:r>
-            <a:endParaRPr lang="zh-TW" altLang="en-US" sz="4800" b="1" dirty="0">
-              <a:solidFill>
-                <a:srgbClr val="660033"/>
-              </a:solidFill>
-              <a:latin typeface="微軟正黑體" pitchFamily="34" charset="-120"/>
-              <a:ea typeface="微軟正黑體" pitchFamily="34" charset="-120"/>
-            </a:endParaRPr>
-          </a:p>
         </p:txBody>
       </p:sp>
     </p:spTree>
+    <p:extLst>
+      <p:ext uri="{BB962C8B-B14F-4D97-AF65-F5344CB8AC3E}">
+        <p14:creationId xmlns:p14="http://schemas.microsoft.com/office/powerpoint/2010/main" val="3993000494"/>
+      </p:ext>
+    </p:extLst>
   </p:cSld>
   <p:clrMapOvr>
     <a:masterClrMapping/>
@@ -3352,32 +3662,40 @@
       </p:grpSpPr>
       <p:sp>
         <p:nvSpPr>
-          <p:cNvPr id="4" name="標題 3"/>
-          <p:cNvSpPr>
-            <a:spLocks noGrp="1"/>
-          </p:cNvSpPr>
-          <p:nvPr>
-            <p:ph type="title"/>
-          </p:nvPr>
-        </p:nvSpPr>
-        <p:spPr/>
-        <p:txBody>
-          <a:bodyPr>
+          <p:cNvPr id="5" name="內容版面配置區 4"/>
+          <p:cNvSpPr>
+            <a:spLocks noGrp="1"/>
+          </p:cNvSpPr>
+          <p:nvPr>
+            <p:ph idx="1"/>
+          </p:nvPr>
+        </p:nvSpPr>
+        <p:spPr>
+          <a:xfrm>
+            <a:off x="0" y="1563638"/>
+            <a:ext cx="9144000" cy="1803647"/>
+          </a:xfrm>
+        </p:spPr>
+        <p:txBody>
+          <a:bodyPr anchor="ctr">
             <a:normAutofit/>
           </a:bodyPr>
           <a:lstStyle/>
           <a:p>
-            <a:r>
-              <a:rPr lang="zh-TW" altLang="en-US" sz="4000" b="1" dirty="0">
+            <a:pPr algn="ctr">
+              <a:buNone/>
+            </a:pPr>
+            <a:r>
+              <a:rPr lang="zh-TW" altLang="en-US" sz="4800" b="1" dirty="0">
                 <a:solidFill>
                   <a:srgbClr val="660033"/>
                 </a:solidFill>
                 <a:latin typeface="微軟正黑體" pitchFamily="34" charset="-120"/>
                 <a:ea typeface="微軟正黑體" pitchFamily="34" charset="-120"/>
               </a:rPr>
-              <a:t>尊貴全能神 </a:t>
-            </a:r>
-            <a:endParaRPr lang="zh-TW" altLang="en-US" sz="4000" b="1" dirty="0">
+              <a:t>萬民都來尊崇祢聖名</a:t>
+            </a:r>
+            <a:endParaRPr lang="zh-TW" altLang="en-US" sz="4800" b="1" dirty="0">
               <a:solidFill>
                 <a:srgbClr val="660033"/>
               </a:solidFill>
@@ -3389,92 +3707,81 @@
       </p:sp>
       <p:sp>
         <p:nvSpPr>
-          <p:cNvPr id="5" name="內容版面配置區 4"/>
-          <p:cNvSpPr>
-            <a:spLocks noGrp="1"/>
-          </p:cNvSpPr>
-          <p:nvPr>
-            <p:ph idx="1"/>
-          </p:nvPr>
-        </p:nvSpPr>
-        <p:spPr/>
-        <p:txBody>
-          <a:bodyPr>
-            <a:normAutofit/>
+          <p:cNvPr id="3" name="TextBox 2"/>
+          <p:cNvSpPr txBox="1"/>
+          <p:nvPr/>
+        </p:nvSpPr>
+        <p:spPr>
+          <a:xfrm>
+            <a:off x="0" y="3795886"/>
+            <a:ext cx="9144000" cy="646331"/>
+          </a:xfrm>
+          <a:prstGeom prst="rect">
+            <a:avLst/>
+          </a:prstGeom>
+          <a:noFill/>
+        </p:spPr>
+        <p:txBody>
+          <a:bodyPr wrap="square" rtlCol="0">
+            <a:spAutoFit/>
           </a:bodyPr>
           <a:lstStyle/>
           <a:p>
-            <a:pPr algn="ctr">
-              <a:buNone/>
-            </a:pPr>
-            <a:r>
-              <a:rPr lang="zh-TW" altLang="en-US" sz="4800" b="1" dirty="0">
+            <a:pPr algn="ctr"/>
+            <a:r>
+              <a:rPr lang="en-US" sz="3600" b="1" dirty="0">
                 <a:solidFill>
                   <a:srgbClr val="660033"/>
                 </a:solidFill>
-                <a:latin typeface="微軟正黑體" pitchFamily="34" charset="-120"/>
-                <a:ea typeface="微軟正黑體" pitchFamily="34" charset="-120"/>
+                <a:effectLst/>
+                <a:latin typeface="Microsoft JhengHei" panose="020B0604030504040204" pitchFamily="34" charset="-120"/>
+                <a:ea typeface="Microsoft JhengHei" panose="020B0604030504040204" pitchFamily="34" charset="-120"/>
+                <a:cs typeface="Microsoft Himalaya" panose="01010100010101010101" pitchFamily="2" charset="0"/>
               </a:rPr>
-              <a:t>哈利路亞 尊貴全能神</a:t>
-            </a:r>
-            <a:endParaRPr lang="en-US" altLang="zh-TW" sz="4800" b="1" dirty="0">
+              <a:t>( </a:t>
+            </a:r>
+            <a:r>
+              <a:rPr lang="zh-CN" altLang="en-US" sz="3600" b="1" dirty="0">
+                <a:solidFill>
+                  <a:srgbClr val="660033"/>
+                </a:solidFill>
+                <a:effectLst/>
+                <a:latin typeface="Microsoft JhengHei" panose="020B0604030504040204" pitchFamily="34" charset="-120"/>
+                <a:ea typeface="Microsoft JhengHei" panose="020B0604030504040204" pitchFamily="34" charset="-120"/>
+                <a:cs typeface="Microsoft Himalaya" panose="01010100010101010101" pitchFamily="2" charset="0"/>
+              </a:rPr>
+              <a:t>正 </a:t>
+            </a:r>
+            <a:r>
+              <a:rPr lang="en-US" sz="3600" b="1" dirty="0">
+                <a:solidFill>
+                  <a:srgbClr val="660033"/>
+                </a:solidFill>
+                <a:effectLst/>
+                <a:latin typeface="Microsoft JhengHei" panose="020B0604030504040204" pitchFamily="34" charset="-120"/>
+                <a:ea typeface="Microsoft JhengHei" panose="020B0604030504040204" pitchFamily="34" charset="-120"/>
+                <a:cs typeface="Microsoft Himalaya" panose="01010100010101010101" pitchFamily="2" charset="0"/>
+              </a:rPr>
+              <a:t>)</a:t>
+            </a:r>
+            <a:endParaRPr lang="vi-VN" sz="3600" b="1" dirty="0">
               <a:solidFill>
                 <a:srgbClr val="660033"/>
               </a:solidFill>
-              <a:latin typeface="微軟正黑體" pitchFamily="34" charset="-120"/>
-              <a:ea typeface="微軟正黑體" pitchFamily="34" charset="-120"/>
+              <a:effectLst/>
+              <a:latin typeface="Microsoft JhengHei" panose="020B0604030504040204" pitchFamily="34" charset="-120"/>
+              <a:ea typeface="Microsoft JhengHei" panose="020B0604030504040204" pitchFamily="34" charset="-120"/>
+              <a:cs typeface="Microsoft Himalaya" panose="01010100010101010101" pitchFamily="2" charset="0"/>
             </a:endParaRPr>
           </a:p>
-          <a:p>
-            <a:pPr algn="ctr">
-              <a:buNone/>
-            </a:pPr>
-            <a:r>
-              <a:rPr lang="zh-TW" altLang="en-US" sz="4800" b="1" dirty="0">
-                <a:solidFill>
-                  <a:srgbClr val="660033"/>
-                </a:solidFill>
-                <a:latin typeface="微軟正黑體" pitchFamily="34" charset="-120"/>
-                <a:ea typeface="微軟正黑體" pitchFamily="34" charset="-120"/>
-              </a:rPr>
-              <a:t>天地萬有都會滅沒</a:t>
-            </a:r>
-            <a:endParaRPr lang="en-US" altLang="zh-TW" sz="4800" b="1" dirty="0">
-              <a:solidFill>
-                <a:srgbClr val="660033"/>
-              </a:solidFill>
-              <a:latin typeface="微軟正黑體" pitchFamily="34" charset="-120"/>
-              <a:ea typeface="微軟正黑體" pitchFamily="34" charset="-120"/>
-            </a:endParaRPr>
-          </a:p>
-          <a:p>
-            <a:pPr algn="ctr">
-              <a:buNone/>
-            </a:pPr>
-            <a:r>
-              <a:rPr lang="zh-TW" altLang="en-US" sz="4800" b="1" dirty="0">
-                <a:solidFill>
-                  <a:srgbClr val="660033"/>
-                </a:solidFill>
-                <a:latin typeface="微軟正黑體" pitchFamily="34" charset="-120"/>
-                <a:ea typeface="微軟正黑體" pitchFamily="34" charset="-120"/>
-              </a:rPr>
-              <a:t>唯有祢永遠不改變</a:t>
-            </a:r>
-            <a:r>
-              <a:rPr lang="zh-TW" altLang="en-US" sz="5400" b="1" dirty="0" smtClean="0">
-                <a:solidFill>
-                  <a:srgbClr val="660033"/>
-                </a:solidFill>
-                <a:latin typeface="微軟正黑體" pitchFamily="34" charset="-120"/>
-                <a:ea typeface="微軟正黑體" pitchFamily="34" charset="-120"/>
-              </a:rPr>
-              <a:t> </a:t>
-            </a:r>
-          </a:p>
         </p:txBody>
       </p:sp>
     </p:spTree>
+    <p:extLst>
+      <p:ext uri="{BB962C8B-B14F-4D97-AF65-F5344CB8AC3E}">
+        <p14:creationId xmlns:p14="http://schemas.microsoft.com/office/powerpoint/2010/main" val="34840794"/>
+      </p:ext>
+    </p:extLst>
   </p:cSld>
   <p:clrMapOvr>
     <a:masterClrMapping/>
@@ -3501,70 +3808,38 @@
       </p:grpSpPr>
       <p:sp>
         <p:nvSpPr>
-          <p:cNvPr id="4" name="標題 3"/>
-          <p:cNvSpPr>
-            <a:spLocks noGrp="1"/>
-          </p:cNvSpPr>
-          <p:nvPr>
-            <p:ph type="title"/>
-          </p:nvPr>
-        </p:nvSpPr>
-        <p:spPr/>
-        <p:txBody>
-          <a:bodyPr>
+          <p:cNvPr id="5" name="內容版面配置區 4"/>
+          <p:cNvSpPr>
+            <a:spLocks noGrp="1"/>
+          </p:cNvSpPr>
+          <p:nvPr>
+            <p:ph idx="1"/>
+          </p:nvPr>
+        </p:nvSpPr>
+        <p:spPr>
+          <a:xfrm>
+            <a:off x="0" y="1563638"/>
+            <a:ext cx="9144000" cy="1803647"/>
+          </a:xfrm>
+        </p:spPr>
+        <p:txBody>
+          <a:bodyPr anchor="ctr">
             <a:normAutofit/>
           </a:bodyPr>
           <a:lstStyle/>
           <a:p>
-            <a:r>
-              <a:rPr lang="zh-TW" altLang="en-US" sz="4000" b="1" dirty="0">
+            <a:pPr algn="ctr">
+              <a:buNone/>
+            </a:pPr>
+            <a:r>
+              <a:rPr lang="zh-TW" altLang="en-US" sz="4800" b="1" dirty="0">
                 <a:solidFill>
                   <a:srgbClr val="660033"/>
                 </a:solidFill>
                 <a:latin typeface="微軟正黑體" pitchFamily="34" charset="-120"/>
                 <a:ea typeface="微軟正黑體" pitchFamily="34" charset="-120"/>
               </a:rPr>
-              <a:t>尊貴全能神 </a:t>
-            </a:r>
-            <a:endParaRPr lang="zh-TW" altLang="en-US" sz="4000" b="1" dirty="0">
-              <a:solidFill>
-                <a:srgbClr val="660033"/>
-              </a:solidFill>
-              <a:latin typeface="微軟正黑體" pitchFamily="34" charset="-120"/>
-              <a:ea typeface="微軟正黑體" pitchFamily="34" charset="-120"/>
-            </a:endParaRPr>
-          </a:p>
-        </p:txBody>
-      </p:sp>
-      <p:sp>
-        <p:nvSpPr>
-          <p:cNvPr id="5" name="內容版面配置區 4"/>
-          <p:cNvSpPr>
-            <a:spLocks noGrp="1"/>
-          </p:cNvSpPr>
-          <p:nvPr>
-            <p:ph idx="1"/>
-          </p:nvPr>
-        </p:nvSpPr>
-        <p:spPr/>
-        <p:txBody>
-          <a:bodyPr>
-            <a:normAutofit/>
-          </a:bodyPr>
-          <a:lstStyle/>
-          <a:p>
-            <a:pPr algn="ctr">
-              <a:buNone/>
-            </a:pPr>
-            <a:r>
-              <a:rPr lang="zh-TW" altLang="en-US" sz="4800" b="1" dirty="0">
-                <a:solidFill>
-                  <a:srgbClr val="660033"/>
-                </a:solidFill>
-                <a:latin typeface="微軟正黑體" pitchFamily="34" charset="-120"/>
-                <a:ea typeface="微軟正黑體" pitchFamily="34" charset="-120"/>
-              </a:rPr>
-              <a:t>哈利路亞 聖潔全能神</a:t>
+              <a:t>世上萬有屬於祢</a:t>
             </a:r>
             <a:endParaRPr lang="en-US" altLang="zh-TW" sz="4800" b="1" dirty="0">
               <a:solidFill>
@@ -3586,9 +3861,9 @@
                 <a:latin typeface="微軟正黑體" pitchFamily="34" charset="-120"/>
                 <a:ea typeface="微軟正黑體" pitchFamily="34" charset="-120"/>
               </a:rPr>
-              <a:t>無一人能與祢相比</a:t>
-            </a:r>
-            <a:endParaRPr lang="en-US" altLang="zh-TW" sz="4800" b="1" dirty="0">
+              <a:t>祢的慈愛永遠長存</a:t>
+            </a:r>
+            <a:endParaRPr lang="zh-TW" altLang="en-US" sz="4800" b="1" dirty="0">
               <a:solidFill>
                 <a:srgbClr val="660033"/>
               </a:solidFill>
@@ -3596,24 +3871,85 @@
               <a:ea typeface="微軟正黑體" pitchFamily="34" charset="-120"/>
             </a:endParaRPr>
           </a:p>
-          <a:p>
-            <a:pPr algn="ctr">
-              <a:buNone/>
-            </a:pPr>
-            <a:r>
-              <a:rPr lang="zh-TW" altLang="en-US" sz="4800" b="1" dirty="0">
+        </p:txBody>
+      </p:sp>
+      <p:sp>
+        <p:nvSpPr>
+          <p:cNvPr id="3" name="TextBox 2"/>
+          <p:cNvSpPr txBox="1"/>
+          <p:nvPr/>
+        </p:nvSpPr>
+        <p:spPr>
+          <a:xfrm>
+            <a:off x="0" y="3795886"/>
+            <a:ext cx="9144000" cy="646331"/>
+          </a:xfrm>
+          <a:prstGeom prst="rect">
+            <a:avLst/>
+          </a:prstGeom>
+          <a:noFill/>
+        </p:spPr>
+        <p:txBody>
+          <a:bodyPr wrap="square" rtlCol="0">
+            <a:spAutoFit/>
+          </a:bodyPr>
+          <a:lstStyle/>
+          <a:p>
+            <a:pPr algn="ctr"/>
+            <a:r>
+              <a:rPr lang="en-US" sz="3600" b="1" dirty="0">
                 <a:solidFill>
                   <a:srgbClr val="660033"/>
                 </a:solidFill>
-                <a:latin typeface="微軟正黑體" pitchFamily="34" charset="-120"/>
-                <a:ea typeface="微軟正黑體" pitchFamily="34" charset="-120"/>
+                <a:effectLst/>
+                <a:latin typeface="Microsoft JhengHei" panose="020B0604030504040204" pitchFamily="34" charset="-120"/>
+                <a:ea typeface="Microsoft JhengHei" panose="020B0604030504040204" pitchFamily="34" charset="-120"/>
+                <a:cs typeface="Microsoft Himalaya" panose="01010100010101010101" pitchFamily="2" charset="0"/>
               </a:rPr>
-              <a:t>所有榮耀都歸於祢</a:t>
-            </a:r>
+              <a:t>( </a:t>
+            </a:r>
+            <a:r>
+              <a:rPr lang="zh-CN" altLang="en-US" sz="3600" b="1" dirty="0">
+                <a:solidFill>
+                  <a:srgbClr val="660033"/>
+                </a:solidFill>
+                <a:effectLst/>
+                <a:latin typeface="Microsoft JhengHei" panose="020B0604030504040204" pitchFamily="34" charset="-120"/>
+                <a:ea typeface="Microsoft JhengHei" panose="020B0604030504040204" pitchFamily="34" charset="-120"/>
+                <a:cs typeface="Microsoft Himalaya" panose="01010100010101010101" pitchFamily="2" charset="0"/>
+              </a:rPr>
+              <a:t>正 </a:t>
+            </a:r>
+            <a:r>
+              <a:rPr lang="en-US" sz="3600" b="1" dirty="0">
+                <a:solidFill>
+                  <a:srgbClr val="660033"/>
+                </a:solidFill>
+                <a:effectLst/>
+                <a:latin typeface="Microsoft JhengHei" panose="020B0604030504040204" pitchFamily="34" charset="-120"/>
+                <a:ea typeface="Microsoft JhengHei" panose="020B0604030504040204" pitchFamily="34" charset="-120"/>
+                <a:cs typeface="Microsoft Himalaya" panose="01010100010101010101" pitchFamily="2" charset="0"/>
+              </a:rPr>
+              <a:t>)</a:t>
+            </a:r>
+            <a:endParaRPr lang="vi-VN" sz="3600" b="1" dirty="0">
+              <a:solidFill>
+                <a:srgbClr val="660033"/>
+              </a:solidFill>
+              <a:effectLst/>
+              <a:latin typeface="Microsoft JhengHei" panose="020B0604030504040204" pitchFamily="34" charset="-120"/>
+              <a:ea typeface="Microsoft JhengHei" panose="020B0604030504040204" pitchFamily="34" charset="-120"/>
+              <a:cs typeface="Microsoft Himalaya" panose="01010100010101010101" pitchFamily="2" charset="0"/>
+            </a:endParaRPr>
           </a:p>
         </p:txBody>
       </p:sp>
     </p:spTree>
+    <p:extLst>
+      <p:ext uri="{BB962C8B-B14F-4D97-AF65-F5344CB8AC3E}">
+        <p14:creationId xmlns:p14="http://schemas.microsoft.com/office/powerpoint/2010/main" val="326808424"/>
+      </p:ext>
+    </p:extLst>
   </p:cSld>
   <p:clrMapOvr>
     <a:masterClrMapping/>
@@ -3640,32 +3976,40 @@
       </p:grpSpPr>
       <p:sp>
         <p:nvSpPr>
-          <p:cNvPr id="4" name="標題 3"/>
-          <p:cNvSpPr>
-            <a:spLocks noGrp="1"/>
-          </p:cNvSpPr>
-          <p:nvPr>
-            <p:ph type="title"/>
-          </p:nvPr>
-        </p:nvSpPr>
-        <p:spPr/>
-        <p:txBody>
-          <a:bodyPr>
+          <p:cNvPr id="5" name="內容版面配置區 4"/>
+          <p:cNvSpPr>
+            <a:spLocks noGrp="1"/>
+          </p:cNvSpPr>
+          <p:nvPr>
+            <p:ph idx="1"/>
+          </p:nvPr>
+        </p:nvSpPr>
+        <p:spPr>
+          <a:xfrm>
+            <a:off x="0" y="1563638"/>
+            <a:ext cx="9144000" cy="1803647"/>
+          </a:xfrm>
+        </p:spPr>
+        <p:txBody>
+          <a:bodyPr anchor="ctr">
             <a:normAutofit/>
           </a:bodyPr>
           <a:lstStyle/>
           <a:p>
-            <a:r>
-              <a:rPr lang="zh-TW" altLang="en-US" sz="4000" b="1" dirty="0">
+            <a:pPr algn="ctr">
+              <a:buNone/>
+            </a:pPr>
+            <a:r>
+              <a:rPr lang="zh-TW" altLang="en-US" sz="4800" b="1" dirty="0">
                 <a:solidFill>
                   <a:srgbClr val="660033"/>
                 </a:solidFill>
                 <a:latin typeface="微軟正黑體" pitchFamily="34" charset="-120"/>
                 <a:ea typeface="微軟正黑體" pitchFamily="34" charset="-120"/>
               </a:rPr>
-              <a:t>尊貴全能神 </a:t>
-            </a:r>
-            <a:endParaRPr lang="zh-TW" altLang="en-US" sz="4000" b="1" dirty="0">
+              <a:t>榮耀的名直存到永遠</a:t>
+            </a:r>
+            <a:endParaRPr lang="zh-TW" altLang="en-US" sz="4800" b="1" dirty="0">
               <a:solidFill>
                 <a:srgbClr val="660033"/>
               </a:solidFill>
@@ -3677,6 +4021,107 @@
       </p:sp>
       <p:sp>
         <p:nvSpPr>
+          <p:cNvPr id="3" name="TextBox 2"/>
+          <p:cNvSpPr txBox="1"/>
+          <p:nvPr/>
+        </p:nvSpPr>
+        <p:spPr>
+          <a:xfrm>
+            <a:off x="0" y="3795886"/>
+            <a:ext cx="9144000" cy="646331"/>
+          </a:xfrm>
+          <a:prstGeom prst="rect">
+            <a:avLst/>
+          </a:prstGeom>
+          <a:noFill/>
+        </p:spPr>
+        <p:txBody>
+          <a:bodyPr wrap="square" rtlCol="0">
+            <a:spAutoFit/>
+          </a:bodyPr>
+          <a:lstStyle/>
+          <a:p>
+            <a:pPr algn="ctr"/>
+            <a:r>
+              <a:rPr lang="en-US" sz="3600" b="1" dirty="0">
+                <a:solidFill>
+                  <a:srgbClr val="660033"/>
+                </a:solidFill>
+                <a:effectLst/>
+                <a:latin typeface="Microsoft JhengHei" panose="020B0604030504040204" pitchFamily="34" charset="-120"/>
+                <a:ea typeface="Microsoft JhengHei" panose="020B0604030504040204" pitchFamily="34" charset="-120"/>
+                <a:cs typeface="Microsoft Himalaya" panose="01010100010101010101" pitchFamily="2" charset="0"/>
+              </a:rPr>
+              <a:t>( </a:t>
+            </a:r>
+            <a:r>
+              <a:rPr lang="zh-CN" altLang="en-US" sz="3600" b="1" dirty="0">
+                <a:solidFill>
+                  <a:srgbClr val="660033"/>
+                </a:solidFill>
+                <a:effectLst/>
+                <a:latin typeface="Microsoft JhengHei" panose="020B0604030504040204" pitchFamily="34" charset="-120"/>
+                <a:ea typeface="Microsoft JhengHei" panose="020B0604030504040204" pitchFamily="34" charset="-120"/>
+                <a:cs typeface="Microsoft Himalaya" panose="01010100010101010101" pitchFamily="2" charset="0"/>
+              </a:rPr>
+              <a:t>正 </a:t>
+            </a:r>
+            <a:r>
+              <a:rPr lang="en-US" sz="3600" b="1" dirty="0">
+                <a:solidFill>
+                  <a:srgbClr val="660033"/>
+                </a:solidFill>
+                <a:effectLst/>
+                <a:latin typeface="Microsoft JhengHei" panose="020B0604030504040204" pitchFamily="34" charset="-120"/>
+                <a:ea typeface="Microsoft JhengHei" panose="020B0604030504040204" pitchFamily="34" charset="-120"/>
+                <a:cs typeface="Microsoft Himalaya" panose="01010100010101010101" pitchFamily="2" charset="0"/>
+              </a:rPr>
+              <a:t>)</a:t>
+            </a:r>
+            <a:endParaRPr lang="vi-VN" sz="3600" b="1" dirty="0">
+              <a:solidFill>
+                <a:srgbClr val="660033"/>
+              </a:solidFill>
+              <a:effectLst/>
+              <a:latin typeface="Microsoft JhengHei" panose="020B0604030504040204" pitchFamily="34" charset="-120"/>
+              <a:ea typeface="Microsoft JhengHei" panose="020B0604030504040204" pitchFamily="34" charset="-120"/>
+              <a:cs typeface="Microsoft Himalaya" panose="01010100010101010101" pitchFamily="2" charset="0"/>
+            </a:endParaRPr>
+          </a:p>
+        </p:txBody>
+      </p:sp>
+    </p:spTree>
+    <p:extLst>
+      <p:ext uri="{BB962C8B-B14F-4D97-AF65-F5344CB8AC3E}">
+        <p14:creationId xmlns:p14="http://schemas.microsoft.com/office/powerpoint/2010/main" val="2408656561"/>
+      </p:ext>
+    </p:extLst>
+  </p:cSld>
+  <p:clrMapOvr>
+    <a:masterClrMapping/>
+  </p:clrMapOvr>
+</p:sld>
+</file>
+
+<file path=ppt/slides/slide6.xml><?xml version="1.0" encoding="utf-8"?>
+<p:sld xmlns:a="http://schemas.openxmlformats.org/drawingml/2006/main" xmlns:r="http://schemas.openxmlformats.org/officeDocument/2006/relationships" xmlns:p="http://schemas.openxmlformats.org/presentationml/2006/main">
+  <p:cSld>
+    <p:spTree>
+      <p:nvGrpSpPr>
+        <p:cNvPr id="1" name=""/>
+        <p:cNvGrpSpPr/>
+        <p:nvPr/>
+      </p:nvGrpSpPr>
+      <p:grpSpPr>
+        <a:xfrm>
+          <a:off x="0" y="0"/>
+          <a:ext cx="0" cy="0"/>
+          <a:chOff x="0" y="0"/>
+          <a:chExt cx="0" cy="0"/>
+        </a:xfrm>
+      </p:grpSpPr>
+      <p:sp>
+        <p:nvSpPr>
           <p:cNvPr id="5" name="內容版面配置區 4"/>
           <p:cNvSpPr>
             <a:spLocks noGrp="1"/>
@@ -3685,10 +4130,15 @@
             <p:ph idx="1"/>
           </p:nvPr>
         </p:nvSpPr>
-        <p:spPr/>
-        <p:txBody>
-          <a:bodyPr>
-            <a:noAutofit/>
+        <p:spPr>
+          <a:xfrm>
+            <a:off x="0" y="1563638"/>
+            <a:ext cx="9144000" cy="1803647"/>
+          </a:xfrm>
+        </p:spPr>
+        <p:txBody>
+          <a:bodyPr anchor="ctr">
+            <a:normAutofit/>
           </a:bodyPr>
           <a:lstStyle/>
           <a:p>
@@ -3703,7 +4153,7 @@
                 <a:latin typeface="微軟正黑體" pitchFamily="34" charset="-120"/>
                 <a:ea typeface="微軟正黑體" pitchFamily="34" charset="-120"/>
               </a:rPr>
-              <a:t>宣告祢國度降臨</a:t>
+              <a:t>哈利路亞 尊貴全能神</a:t>
             </a:r>
             <a:endParaRPr lang="en-US" altLang="zh-TW" sz="4800" b="1" dirty="0">
               <a:solidFill>
@@ -3725,7 +4175,7 @@
                 <a:latin typeface="微軟正黑體" pitchFamily="34" charset="-120"/>
                 <a:ea typeface="微軟正黑體" pitchFamily="34" charset="-120"/>
               </a:rPr>
-              <a:t>祢旨意成全這地</a:t>
+              <a:t>天地萬有都會滅沒</a:t>
             </a:r>
             <a:endParaRPr lang="en-US" altLang="zh-TW" sz="4800" b="1" dirty="0">
               <a:solidFill>
@@ -3735,6 +4185,130 @@
               <a:ea typeface="微軟正黑體" pitchFamily="34" charset="-120"/>
             </a:endParaRPr>
           </a:p>
+        </p:txBody>
+      </p:sp>
+      <p:sp>
+        <p:nvSpPr>
+          <p:cNvPr id="3" name="TextBox 2"/>
+          <p:cNvSpPr txBox="1"/>
+          <p:nvPr/>
+        </p:nvSpPr>
+        <p:spPr>
+          <a:xfrm>
+            <a:off x="0" y="3795886"/>
+            <a:ext cx="9144000" cy="646331"/>
+          </a:xfrm>
+          <a:prstGeom prst="rect">
+            <a:avLst/>
+          </a:prstGeom>
+          <a:noFill/>
+        </p:spPr>
+        <p:txBody>
+          <a:bodyPr wrap="square" rtlCol="0">
+            <a:spAutoFit/>
+          </a:bodyPr>
+          <a:lstStyle/>
+          <a:p>
+            <a:pPr algn="ctr"/>
+            <a:r>
+              <a:rPr lang="en-US" sz="3600" b="1" dirty="0">
+                <a:solidFill>
+                  <a:srgbClr val="660033"/>
+                </a:solidFill>
+                <a:effectLst/>
+                <a:latin typeface="Microsoft JhengHei" panose="020B0604030504040204" pitchFamily="34" charset="-120"/>
+                <a:ea typeface="Microsoft JhengHei" panose="020B0604030504040204" pitchFamily="34" charset="-120"/>
+                <a:cs typeface="Microsoft Himalaya" panose="01010100010101010101" pitchFamily="2" charset="0"/>
+              </a:rPr>
+              <a:t>( </a:t>
+            </a:r>
+            <a:r>
+              <a:rPr lang="zh-CN" altLang="en-US" sz="3600" b="1" dirty="0" smtClean="0">
+                <a:solidFill>
+                  <a:srgbClr val="660033"/>
+                </a:solidFill>
+                <a:effectLst/>
+                <a:latin typeface="Microsoft JhengHei" panose="020B0604030504040204" pitchFamily="34" charset="-120"/>
+                <a:ea typeface="Microsoft JhengHei" panose="020B0604030504040204" pitchFamily="34" charset="-120"/>
+                <a:cs typeface="Microsoft Himalaya" panose="01010100010101010101" pitchFamily="2" charset="0"/>
+              </a:rPr>
+              <a:t>副 </a:t>
+            </a:r>
+            <a:r>
+              <a:rPr lang="en-US" sz="3600" b="1" dirty="0">
+                <a:solidFill>
+                  <a:srgbClr val="660033"/>
+                </a:solidFill>
+                <a:effectLst/>
+                <a:latin typeface="Microsoft JhengHei" panose="020B0604030504040204" pitchFamily="34" charset="-120"/>
+                <a:ea typeface="Microsoft JhengHei" panose="020B0604030504040204" pitchFamily="34" charset="-120"/>
+                <a:cs typeface="Microsoft Himalaya" panose="01010100010101010101" pitchFamily="2" charset="0"/>
+              </a:rPr>
+              <a:t>)</a:t>
+            </a:r>
+            <a:endParaRPr lang="vi-VN" sz="3600" b="1" dirty="0">
+              <a:solidFill>
+                <a:srgbClr val="660033"/>
+              </a:solidFill>
+              <a:effectLst/>
+              <a:latin typeface="Microsoft JhengHei" panose="020B0604030504040204" pitchFamily="34" charset="-120"/>
+              <a:ea typeface="Microsoft JhengHei" panose="020B0604030504040204" pitchFamily="34" charset="-120"/>
+              <a:cs typeface="Microsoft Himalaya" panose="01010100010101010101" pitchFamily="2" charset="0"/>
+            </a:endParaRPr>
+          </a:p>
+        </p:txBody>
+      </p:sp>
+    </p:spTree>
+    <p:extLst>
+      <p:ext uri="{BB962C8B-B14F-4D97-AF65-F5344CB8AC3E}">
+        <p14:creationId xmlns:p14="http://schemas.microsoft.com/office/powerpoint/2010/main" val="3022000311"/>
+      </p:ext>
+    </p:extLst>
+  </p:cSld>
+  <p:clrMapOvr>
+    <a:masterClrMapping/>
+  </p:clrMapOvr>
+</p:sld>
+</file>
+
+<file path=ppt/slides/slide7.xml><?xml version="1.0" encoding="utf-8"?>
+<p:sld xmlns:a="http://schemas.openxmlformats.org/drawingml/2006/main" xmlns:r="http://schemas.openxmlformats.org/officeDocument/2006/relationships" xmlns:p="http://schemas.openxmlformats.org/presentationml/2006/main">
+  <p:cSld>
+    <p:spTree>
+      <p:nvGrpSpPr>
+        <p:cNvPr id="1" name=""/>
+        <p:cNvGrpSpPr/>
+        <p:nvPr/>
+      </p:nvGrpSpPr>
+      <p:grpSpPr>
+        <a:xfrm>
+          <a:off x="0" y="0"/>
+          <a:ext cx="0" cy="0"/>
+          <a:chOff x="0" y="0"/>
+          <a:chExt cx="0" cy="0"/>
+        </a:xfrm>
+      </p:grpSpPr>
+      <p:sp>
+        <p:nvSpPr>
+          <p:cNvPr id="5" name="內容版面配置區 4"/>
+          <p:cNvSpPr>
+            <a:spLocks noGrp="1"/>
+          </p:cNvSpPr>
+          <p:nvPr>
+            <p:ph idx="1"/>
+          </p:nvPr>
+        </p:nvSpPr>
+        <p:spPr>
+          <a:xfrm>
+            <a:off x="0" y="1563638"/>
+            <a:ext cx="9144000" cy="1803647"/>
+          </a:xfrm>
+        </p:spPr>
+        <p:txBody>
+          <a:bodyPr anchor="ctr">
+            <a:normAutofit/>
+          </a:bodyPr>
+          <a:lstStyle/>
           <a:p>
             <a:pPr algn="ctr">
               <a:buNone/>
@@ -3747,7 +4321,163 @@
                 <a:latin typeface="微軟正黑體" pitchFamily="34" charset="-120"/>
                 <a:ea typeface="微軟正黑體" pitchFamily="34" charset="-120"/>
               </a:rPr>
-              <a:t>興起祢所選子民</a:t>
+              <a:t>唯有祢永遠不改</a:t>
+            </a:r>
+            <a:r>
+              <a:rPr lang="zh-TW" altLang="en-US" sz="4800" b="1" dirty="0" smtClean="0">
+                <a:solidFill>
+                  <a:srgbClr val="660033"/>
+                </a:solidFill>
+                <a:latin typeface="微軟正黑體" pitchFamily="34" charset="-120"/>
+                <a:ea typeface="微軟正黑體" pitchFamily="34" charset="-120"/>
+              </a:rPr>
+              <a:t>變</a:t>
+            </a:r>
+            <a:endParaRPr lang="zh-TW" altLang="en-US" sz="5400" b="1" dirty="0">
+              <a:solidFill>
+                <a:srgbClr val="660033"/>
+              </a:solidFill>
+              <a:latin typeface="微軟正黑體" pitchFamily="34" charset="-120"/>
+              <a:ea typeface="微軟正黑體" pitchFamily="34" charset="-120"/>
+            </a:endParaRPr>
+          </a:p>
+        </p:txBody>
+      </p:sp>
+      <p:sp>
+        <p:nvSpPr>
+          <p:cNvPr id="3" name="TextBox 2"/>
+          <p:cNvSpPr txBox="1"/>
+          <p:nvPr/>
+        </p:nvSpPr>
+        <p:spPr>
+          <a:xfrm>
+            <a:off x="0" y="3795886"/>
+            <a:ext cx="9144000" cy="646331"/>
+          </a:xfrm>
+          <a:prstGeom prst="rect">
+            <a:avLst/>
+          </a:prstGeom>
+          <a:noFill/>
+        </p:spPr>
+        <p:txBody>
+          <a:bodyPr wrap="square" rtlCol="0">
+            <a:spAutoFit/>
+          </a:bodyPr>
+          <a:lstStyle/>
+          <a:p>
+            <a:pPr algn="ctr"/>
+            <a:r>
+              <a:rPr lang="en-US" sz="3600" b="1" dirty="0">
+                <a:solidFill>
+                  <a:srgbClr val="660033"/>
+                </a:solidFill>
+                <a:effectLst/>
+                <a:latin typeface="Microsoft JhengHei" panose="020B0604030504040204" pitchFamily="34" charset="-120"/>
+                <a:ea typeface="Microsoft JhengHei" panose="020B0604030504040204" pitchFamily="34" charset="-120"/>
+                <a:cs typeface="Microsoft Himalaya" panose="01010100010101010101" pitchFamily="2" charset="0"/>
+              </a:rPr>
+              <a:t>( </a:t>
+            </a:r>
+            <a:r>
+              <a:rPr lang="zh-CN" altLang="en-US" sz="3600" b="1" dirty="0" smtClean="0">
+                <a:solidFill>
+                  <a:srgbClr val="660033"/>
+                </a:solidFill>
+                <a:effectLst/>
+                <a:latin typeface="Microsoft JhengHei" panose="020B0604030504040204" pitchFamily="34" charset="-120"/>
+                <a:ea typeface="Microsoft JhengHei" panose="020B0604030504040204" pitchFamily="34" charset="-120"/>
+                <a:cs typeface="Microsoft Himalaya" panose="01010100010101010101" pitchFamily="2" charset="0"/>
+              </a:rPr>
+              <a:t>副 </a:t>
+            </a:r>
+            <a:r>
+              <a:rPr lang="en-US" sz="3600" b="1" dirty="0">
+                <a:solidFill>
+                  <a:srgbClr val="660033"/>
+                </a:solidFill>
+                <a:effectLst/>
+                <a:latin typeface="Microsoft JhengHei" panose="020B0604030504040204" pitchFamily="34" charset="-120"/>
+                <a:ea typeface="Microsoft JhengHei" panose="020B0604030504040204" pitchFamily="34" charset="-120"/>
+                <a:cs typeface="Microsoft Himalaya" panose="01010100010101010101" pitchFamily="2" charset="0"/>
+              </a:rPr>
+              <a:t>)</a:t>
+            </a:r>
+            <a:endParaRPr lang="vi-VN" sz="3600" b="1" dirty="0">
+              <a:solidFill>
+                <a:srgbClr val="660033"/>
+              </a:solidFill>
+              <a:effectLst/>
+              <a:latin typeface="Microsoft JhengHei" panose="020B0604030504040204" pitchFamily="34" charset="-120"/>
+              <a:ea typeface="Microsoft JhengHei" panose="020B0604030504040204" pitchFamily="34" charset="-120"/>
+              <a:cs typeface="Microsoft Himalaya" panose="01010100010101010101" pitchFamily="2" charset="0"/>
+            </a:endParaRPr>
+          </a:p>
+        </p:txBody>
+      </p:sp>
+    </p:spTree>
+    <p:extLst>
+      <p:ext uri="{BB962C8B-B14F-4D97-AF65-F5344CB8AC3E}">
+        <p14:creationId xmlns:p14="http://schemas.microsoft.com/office/powerpoint/2010/main" val="3405890604"/>
+      </p:ext>
+    </p:extLst>
+  </p:cSld>
+  <p:clrMapOvr>
+    <a:masterClrMapping/>
+  </p:clrMapOvr>
+</p:sld>
+</file>
+
+<file path=ppt/slides/slide8.xml><?xml version="1.0" encoding="utf-8"?>
+<p:sld xmlns:a="http://schemas.openxmlformats.org/drawingml/2006/main" xmlns:r="http://schemas.openxmlformats.org/officeDocument/2006/relationships" xmlns:p="http://schemas.openxmlformats.org/presentationml/2006/main">
+  <p:cSld>
+    <p:spTree>
+      <p:nvGrpSpPr>
+        <p:cNvPr id="1" name=""/>
+        <p:cNvGrpSpPr/>
+        <p:nvPr/>
+      </p:nvGrpSpPr>
+      <p:grpSpPr>
+        <a:xfrm>
+          <a:off x="0" y="0"/>
+          <a:ext cx="0" cy="0"/>
+          <a:chOff x="0" y="0"/>
+          <a:chExt cx="0" cy="0"/>
+        </a:xfrm>
+      </p:grpSpPr>
+      <p:sp>
+        <p:nvSpPr>
+          <p:cNvPr id="5" name="內容版面配置區 4"/>
+          <p:cNvSpPr>
+            <a:spLocks noGrp="1"/>
+          </p:cNvSpPr>
+          <p:nvPr>
+            <p:ph idx="1"/>
+          </p:nvPr>
+        </p:nvSpPr>
+        <p:spPr>
+          <a:xfrm>
+            <a:off x="0" y="1563638"/>
+            <a:ext cx="9144000" cy="1803647"/>
+          </a:xfrm>
+        </p:spPr>
+        <p:txBody>
+          <a:bodyPr anchor="ctr">
+            <a:normAutofit/>
+          </a:bodyPr>
+          <a:lstStyle/>
+          <a:p>
+            <a:pPr algn="ctr">
+              <a:buNone/>
+            </a:pPr>
+            <a:r>
+              <a:rPr lang="zh-TW" altLang="en-US" sz="4800" b="1" dirty="0">
+                <a:solidFill>
+                  <a:srgbClr val="660033"/>
+                </a:solidFill>
+                <a:latin typeface="微軟正黑體" pitchFamily="34" charset="-120"/>
+                <a:ea typeface="微軟正黑體" pitchFamily="34" charset="-120"/>
+              </a:rPr>
+              <a:t>哈利路亞 聖潔全能神</a:t>
             </a:r>
             <a:endParaRPr lang="en-US" altLang="zh-TW" sz="4800" b="1" dirty="0">
               <a:solidFill>
@@ -3769,12 +4499,241 @@
                 <a:latin typeface="微軟正黑體" pitchFamily="34" charset="-120"/>
                 <a:ea typeface="微軟正黑體" pitchFamily="34" charset="-120"/>
               </a:rPr>
-              <a:t>高舉祢榮耀的名</a:t>
-            </a:r>
+              <a:t>無一人能與祢相比</a:t>
+            </a:r>
+            <a:endParaRPr lang="en-US" altLang="zh-TW" sz="4800" b="1" dirty="0">
+              <a:solidFill>
+                <a:srgbClr val="660033"/>
+              </a:solidFill>
+              <a:latin typeface="微軟正黑體" pitchFamily="34" charset="-120"/>
+              <a:ea typeface="微軟正黑體" pitchFamily="34" charset="-120"/>
+            </a:endParaRPr>
+          </a:p>
+        </p:txBody>
+      </p:sp>
+      <p:sp>
+        <p:nvSpPr>
+          <p:cNvPr id="3" name="TextBox 2"/>
+          <p:cNvSpPr txBox="1"/>
+          <p:nvPr/>
+        </p:nvSpPr>
+        <p:spPr>
+          <a:xfrm>
+            <a:off x="0" y="3795886"/>
+            <a:ext cx="9144000" cy="646331"/>
+          </a:xfrm>
+          <a:prstGeom prst="rect">
+            <a:avLst/>
+          </a:prstGeom>
+          <a:noFill/>
+        </p:spPr>
+        <p:txBody>
+          <a:bodyPr wrap="square" rtlCol="0">
+            <a:spAutoFit/>
+          </a:bodyPr>
+          <a:lstStyle/>
+          <a:p>
+            <a:pPr algn="ctr"/>
+            <a:r>
+              <a:rPr lang="en-US" sz="3600" b="1" dirty="0">
+                <a:solidFill>
+                  <a:srgbClr val="660033"/>
+                </a:solidFill>
+                <a:effectLst/>
+                <a:latin typeface="Microsoft JhengHei" panose="020B0604030504040204" pitchFamily="34" charset="-120"/>
+                <a:ea typeface="Microsoft JhengHei" panose="020B0604030504040204" pitchFamily="34" charset="-120"/>
+                <a:cs typeface="Microsoft Himalaya" panose="01010100010101010101" pitchFamily="2" charset="0"/>
+              </a:rPr>
+              <a:t>( </a:t>
+            </a:r>
+            <a:r>
+              <a:rPr lang="zh-CN" altLang="en-US" sz="3600" b="1" dirty="0" smtClean="0">
+                <a:solidFill>
+                  <a:srgbClr val="660033"/>
+                </a:solidFill>
+                <a:effectLst/>
+                <a:latin typeface="Microsoft JhengHei" panose="020B0604030504040204" pitchFamily="34" charset="-120"/>
+                <a:ea typeface="Microsoft JhengHei" panose="020B0604030504040204" pitchFamily="34" charset="-120"/>
+                <a:cs typeface="Microsoft Himalaya" panose="01010100010101010101" pitchFamily="2" charset="0"/>
+              </a:rPr>
+              <a:t>副 </a:t>
+            </a:r>
+            <a:r>
+              <a:rPr lang="en-US" sz="3600" b="1" dirty="0">
+                <a:solidFill>
+                  <a:srgbClr val="660033"/>
+                </a:solidFill>
+                <a:effectLst/>
+                <a:latin typeface="Microsoft JhengHei" panose="020B0604030504040204" pitchFamily="34" charset="-120"/>
+                <a:ea typeface="Microsoft JhengHei" panose="020B0604030504040204" pitchFamily="34" charset="-120"/>
+                <a:cs typeface="Microsoft Himalaya" panose="01010100010101010101" pitchFamily="2" charset="0"/>
+              </a:rPr>
+              <a:t>)</a:t>
+            </a:r>
+            <a:endParaRPr lang="vi-VN" sz="3600" b="1" dirty="0">
+              <a:solidFill>
+                <a:srgbClr val="660033"/>
+              </a:solidFill>
+              <a:effectLst/>
+              <a:latin typeface="Microsoft JhengHei" panose="020B0604030504040204" pitchFamily="34" charset="-120"/>
+              <a:ea typeface="Microsoft JhengHei" panose="020B0604030504040204" pitchFamily="34" charset="-120"/>
+              <a:cs typeface="Microsoft Himalaya" panose="01010100010101010101" pitchFamily="2" charset="0"/>
+            </a:endParaRPr>
           </a:p>
         </p:txBody>
       </p:sp>
     </p:spTree>
+    <p:extLst>
+      <p:ext uri="{BB962C8B-B14F-4D97-AF65-F5344CB8AC3E}">
+        <p14:creationId xmlns:p14="http://schemas.microsoft.com/office/powerpoint/2010/main" val="3663879487"/>
+      </p:ext>
+    </p:extLst>
+  </p:cSld>
+  <p:clrMapOvr>
+    <a:masterClrMapping/>
+  </p:clrMapOvr>
+</p:sld>
+</file>
+
+<file path=ppt/slides/slide9.xml><?xml version="1.0" encoding="utf-8"?>
+<p:sld xmlns:a="http://schemas.openxmlformats.org/drawingml/2006/main" xmlns:r="http://schemas.openxmlformats.org/officeDocument/2006/relationships" xmlns:p="http://schemas.openxmlformats.org/presentationml/2006/main">
+  <p:cSld>
+    <p:spTree>
+      <p:nvGrpSpPr>
+        <p:cNvPr id="1" name=""/>
+        <p:cNvGrpSpPr/>
+        <p:nvPr/>
+      </p:nvGrpSpPr>
+      <p:grpSpPr>
+        <a:xfrm>
+          <a:off x="0" y="0"/>
+          <a:ext cx="0" cy="0"/>
+          <a:chOff x="0" y="0"/>
+          <a:chExt cx="0" cy="0"/>
+        </a:xfrm>
+      </p:grpSpPr>
+      <p:sp>
+        <p:nvSpPr>
+          <p:cNvPr id="5" name="內容版面配置區 4"/>
+          <p:cNvSpPr>
+            <a:spLocks noGrp="1"/>
+          </p:cNvSpPr>
+          <p:nvPr>
+            <p:ph idx="1"/>
+          </p:nvPr>
+        </p:nvSpPr>
+        <p:spPr>
+          <a:xfrm>
+            <a:off x="0" y="1563638"/>
+            <a:ext cx="9144000" cy="1803647"/>
+          </a:xfrm>
+        </p:spPr>
+        <p:txBody>
+          <a:bodyPr anchor="ctr">
+            <a:normAutofit/>
+          </a:bodyPr>
+          <a:lstStyle/>
+          <a:p>
+            <a:pPr algn="ctr">
+              <a:buNone/>
+            </a:pPr>
+            <a:r>
+              <a:rPr lang="zh-TW" altLang="en-US" sz="4800" b="1" dirty="0">
+                <a:solidFill>
+                  <a:srgbClr val="660033"/>
+                </a:solidFill>
+                <a:latin typeface="微軟正黑體" pitchFamily="34" charset="-120"/>
+                <a:ea typeface="微軟正黑體" pitchFamily="34" charset="-120"/>
+              </a:rPr>
+              <a:t>所有榮耀都歸於祢</a:t>
+            </a:r>
+            <a:endParaRPr lang="zh-TW" altLang="en-US" sz="4800" b="1" dirty="0">
+              <a:solidFill>
+                <a:srgbClr val="660033"/>
+              </a:solidFill>
+              <a:latin typeface="微軟正黑體" pitchFamily="34" charset="-120"/>
+              <a:ea typeface="微軟正黑體" pitchFamily="34" charset="-120"/>
+            </a:endParaRPr>
+          </a:p>
+        </p:txBody>
+      </p:sp>
+      <p:sp>
+        <p:nvSpPr>
+          <p:cNvPr id="3" name="TextBox 2"/>
+          <p:cNvSpPr txBox="1"/>
+          <p:nvPr/>
+        </p:nvSpPr>
+        <p:spPr>
+          <a:xfrm>
+            <a:off x="0" y="3795886"/>
+            <a:ext cx="9144000" cy="646331"/>
+          </a:xfrm>
+          <a:prstGeom prst="rect">
+            <a:avLst/>
+          </a:prstGeom>
+          <a:noFill/>
+        </p:spPr>
+        <p:txBody>
+          <a:bodyPr wrap="square" rtlCol="0">
+            <a:spAutoFit/>
+          </a:bodyPr>
+          <a:lstStyle/>
+          <a:p>
+            <a:pPr algn="ctr"/>
+            <a:r>
+              <a:rPr lang="en-US" sz="3600" b="1" dirty="0">
+                <a:solidFill>
+                  <a:srgbClr val="660033"/>
+                </a:solidFill>
+                <a:effectLst/>
+                <a:latin typeface="Microsoft JhengHei" panose="020B0604030504040204" pitchFamily="34" charset="-120"/>
+                <a:ea typeface="Microsoft JhengHei" panose="020B0604030504040204" pitchFamily="34" charset="-120"/>
+                <a:cs typeface="Microsoft Himalaya" panose="01010100010101010101" pitchFamily="2" charset="0"/>
+              </a:rPr>
+              <a:t>( </a:t>
+            </a:r>
+            <a:r>
+              <a:rPr lang="zh-CN" altLang="en-US" sz="3600" b="1" dirty="0" smtClean="0">
+                <a:solidFill>
+                  <a:srgbClr val="660033"/>
+                </a:solidFill>
+                <a:effectLst/>
+                <a:latin typeface="Microsoft JhengHei" panose="020B0604030504040204" pitchFamily="34" charset="-120"/>
+                <a:ea typeface="Microsoft JhengHei" panose="020B0604030504040204" pitchFamily="34" charset="-120"/>
+                <a:cs typeface="Microsoft Himalaya" panose="01010100010101010101" pitchFamily="2" charset="0"/>
+              </a:rPr>
+              <a:t>副 </a:t>
+            </a:r>
+            <a:r>
+              <a:rPr lang="en-US" sz="3600" b="1" dirty="0">
+                <a:solidFill>
+                  <a:srgbClr val="660033"/>
+                </a:solidFill>
+                <a:effectLst/>
+                <a:latin typeface="Microsoft JhengHei" panose="020B0604030504040204" pitchFamily="34" charset="-120"/>
+                <a:ea typeface="Microsoft JhengHei" panose="020B0604030504040204" pitchFamily="34" charset="-120"/>
+                <a:cs typeface="Microsoft Himalaya" panose="01010100010101010101" pitchFamily="2" charset="0"/>
+              </a:rPr>
+              <a:t>)</a:t>
+            </a:r>
+            <a:endParaRPr lang="vi-VN" sz="3600" b="1" dirty="0">
+              <a:solidFill>
+                <a:srgbClr val="660033"/>
+              </a:solidFill>
+              <a:effectLst/>
+              <a:latin typeface="Microsoft JhengHei" panose="020B0604030504040204" pitchFamily="34" charset="-120"/>
+              <a:ea typeface="Microsoft JhengHei" panose="020B0604030504040204" pitchFamily="34" charset="-120"/>
+              <a:cs typeface="Microsoft Himalaya" panose="01010100010101010101" pitchFamily="2" charset="0"/>
+            </a:endParaRPr>
+          </a:p>
+        </p:txBody>
+      </p:sp>
+    </p:spTree>
+    <p:extLst>
+      <p:ext uri="{BB962C8B-B14F-4D97-AF65-F5344CB8AC3E}">
+        <p14:creationId xmlns:p14="http://schemas.microsoft.com/office/powerpoint/2010/main" val="3649014112"/>
+      </p:ext>
+    </p:extLst>
   </p:cSld>
   <p:clrMapOvr>
     <a:masterClrMapping/>
